--- a/slides/11-MultiAgentSystems.pptx
+++ b/slides/11-MultiAgentSystems.pptx
@@ -258,7 +258,7 @@
           <a:p>
             <a:fld id="{18BDD8CF-315C-4743-A22F-986F2570C691}" type="datetimeFigureOut">
               <a:rPr lang="en-US" smtClean="0"/>
-              <a:t>11/2/2015</a:t>
+              <a:t>4/22/21</a:t>
             </a:fld>
             <a:endParaRPr lang="en-US"/>
           </a:p>
@@ -322,38 +322,37 @@
           <a:p>
             <a:pPr lvl="0"/>
             <a:r>
-              <a:rPr lang="en-US" smtClean="0"/>
+              <a:rPr lang="en-US"/>
               <a:t>Click to edit Master text styles</a:t>
             </a:r>
           </a:p>
           <a:p>
             <a:pPr lvl="1"/>
             <a:r>
-              <a:rPr lang="en-US" smtClean="0"/>
+              <a:rPr lang="en-US"/>
               <a:t>Second level</a:t>
             </a:r>
           </a:p>
           <a:p>
             <a:pPr lvl="2"/>
             <a:r>
-              <a:rPr lang="en-US" smtClean="0"/>
+              <a:rPr lang="en-US"/>
               <a:t>Third level</a:t>
             </a:r>
           </a:p>
           <a:p>
             <a:pPr lvl="3"/>
             <a:r>
-              <a:rPr lang="en-US" smtClean="0"/>
+              <a:rPr lang="en-US"/>
               <a:t>Fourth level</a:t>
             </a:r>
           </a:p>
           <a:p>
             <a:pPr lvl="4"/>
             <a:r>
-              <a:rPr lang="en-US" smtClean="0"/>
+              <a:rPr lang="en-US"/>
               <a:t>Fifth level</a:t>
             </a:r>
-            <a:endParaRPr lang="en-US"/>
           </a:p>
         </p:txBody>
       </p:sp>
@@ -1731,7 +1730,7 @@
           </a:lstStyle>
           <a:p>
             <a:r>
-              <a:rPr lang="en-US" smtClean="0"/>
+              <a:rPr lang="en-US"/>
               <a:t>Click to edit Master title style</a:t>
             </a:r>
             <a:endParaRPr lang="en-US" dirty="0"/>
@@ -1848,7 +1847,7 @@
           </a:lstStyle>
           <a:p>
             <a:r>
-              <a:rPr lang="en-US" smtClean="0"/>
+              <a:rPr lang="en-US"/>
               <a:t>Click to edit Master subtitle style</a:t>
             </a:r>
             <a:endParaRPr lang="en-US" dirty="0"/>
@@ -1872,7 +1871,7 @@
           <a:p>
             <a:fld id="{EE6CD189-E039-4A51-BC88-4927E4923AA0}" type="datetimeFigureOut">
               <a:rPr lang="en-US" smtClean="0"/>
-              <a:t>11/2/2015</a:t>
+              <a:t>4/22/21</a:t>
             </a:fld>
             <a:endParaRPr lang="en-US"/>
           </a:p>
@@ -2007,7 +2006,7 @@
           </a:lstStyle>
           <a:p>
             <a:r>
-              <a:rPr lang="en-US" smtClean="0"/>
+              <a:rPr lang="en-US"/>
               <a:t>Click to edit Master title style</a:t>
             </a:r>
             <a:endParaRPr lang="en-US" dirty="0"/>
@@ -2081,7 +2080,7 @@
           </a:lstStyle>
           <a:p>
             <a:r>
-              <a:rPr lang="en-US" smtClean="0"/>
+              <a:rPr lang="en-US"/>
               <a:t>Click icon to add picture</a:t>
             </a:r>
             <a:endParaRPr lang="en-US" dirty="0"/>
@@ -2147,7 +2146,7 @@
           <a:p>
             <a:pPr lvl="0"/>
             <a:r>
-              <a:rPr lang="en-US" smtClean="0"/>
+              <a:rPr lang="en-US"/>
               <a:t>Click to edit Master text styles</a:t>
             </a:r>
           </a:p>
@@ -2170,7 +2169,7 @@
           <a:p>
             <a:fld id="{EE6CD189-E039-4A51-BC88-4927E4923AA0}" type="datetimeFigureOut">
               <a:rPr lang="en-US" smtClean="0"/>
-              <a:t>11/2/2015</a:t>
+              <a:t>4/22/21</a:t>
             </a:fld>
             <a:endParaRPr lang="en-US"/>
           </a:p>
@@ -2273,7 +2272,7 @@
           </a:lstStyle>
           <a:p>
             <a:r>
-              <a:rPr lang="en-US" smtClean="0"/>
+              <a:rPr lang="en-US"/>
               <a:t>Click to edit Master title style</a:t>
             </a:r>
             <a:endParaRPr lang="en-US" dirty="0"/>
@@ -2339,7 +2338,7 @@
           <a:p>
             <a:pPr lvl="0"/>
             <a:r>
-              <a:rPr lang="en-US" smtClean="0"/>
+              <a:rPr lang="en-US"/>
               <a:t>Click to edit Master text styles</a:t>
             </a:r>
           </a:p>
@@ -2362,7 +2361,7 @@
           <a:p>
             <a:fld id="{EE6CD189-E039-4A51-BC88-4927E4923AA0}" type="datetimeFigureOut">
               <a:rPr lang="en-US" smtClean="0"/>
-              <a:t>11/2/2015</a:t>
+              <a:t>4/22/21</a:t>
             </a:fld>
             <a:endParaRPr lang="en-US"/>
           </a:p>
@@ -2465,7 +2464,7 @@
           </a:lstStyle>
           <a:p>
             <a:r>
-              <a:rPr lang="en-US" smtClean="0"/>
+              <a:rPr lang="en-US"/>
               <a:t>Click to edit Master title style</a:t>
             </a:r>
             <a:endParaRPr lang="en-US" dirty="0"/>
@@ -2533,7 +2532,7 @@
           <a:p>
             <a:pPr lvl="0"/>
             <a:r>
-              <a:rPr lang="en-US" smtClean="0"/>
+              <a:rPr lang="en-US"/>
               <a:t>Click to edit Master text styles</a:t>
             </a:r>
           </a:p>
@@ -2600,7 +2599,7 @@
           <a:p>
             <a:pPr lvl="0"/>
             <a:r>
-              <a:rPr lang="en-US" smtClean="0"/>
+              <a:rPr lang="en-US"/>
               <a:t>Click to edit Master text styles</a:t>
             </a:r>
           </a:p>
@@ -2623,7 +2622,7 @@
           <a:p>
             <a:fld id="{EE6CD189-E039-4A51-BC88-4927E4923AA0}" type="datetimeFigureOut">
               <a:rPr lang="en-US" smtClean="0"/>
-              <a:t>11/2/2015</a:t>
+              <a:t>4/22/21</a:t>
             </a:fld>
             <a:endParaRPr lang="en-US"/>
           </a:p>
@@ -2958,7 +2957,7 @@
           </a:lstStyle>
           <a:p>
             <a:r>
-              <a:rPr lang="en-US" smtClean="0"/>
+              <a:rPr lang="en-US"/>
               <a:t>Click to edit Master title style</a:t>
             </a:r>
             <a:endParaRPr lang="en-US" dirty="0"/>
@@ -3024,7 +3023,7 @@
           <a:p>
             <a:pPr lvl="0"/>
             <a:r>
-              <a:rPr lang="en-US" smtClean="0"/>
+              <a:rPr lang="en-US"/>
               <a:t>Click to edit Master text styles</a:t>
             </a:r>
           </a:p>
@@ -3047,7 +3046,7 @@
           <a:p>
             <a:fld id="{EE6CD189-E039-4A51-BC88-4927E4923AA0}" type="datetimeFigureOut">
               <a:rPr lang="en-US" smtClean="0"/>
-              <a:t>11/2/2015</a:t>
+              <a:t>4/22/21</a:t>
             </a:fld>
             <a:endParaRPr lang="en-US"/>
           </a:p>
@@ -3146,7 +3145,7 @@
           <a:lstStyle/>
           <a:p>
             <a:r>
-              <a:rPr lang="en-US" smtClean="0"/>
+              <a:rPr lang="en-US"/>
               <a:t>Click to edit Master title style</a:t>
             </a:r>
             <a:endParaRPr lang="en-US" dirty="0"/>
@@ -3218,7 +3217,7 @@
           <a:p>
             <a:pPr lvl="0"/>
             <a:r>
-              <a:rPr lang="en-US" smtClean="0"/>
+              <a:rPr lang="en-US"/>
               <a:t>Click to edit Master text styles</a:t>
             </a:r>
           </a:p>
@@ -3285,7 +3284,7 @@
           <a:p>
             <a:pPr lvl="0"/>
             <a:r>
-              <a:rPr lang="en-US" smtClean="0"/>
+              <a:rPr lang="en-US"/>
               <a:t>Click to edit Master text styles</a:t>
             </a:r>
           </a:p>
@@ -3356,7 +3355,7 @@
           <a:p>
             <a:pPr lvl="0"/>
             <a:r>
-              <a:rPr lang="en-US" smtClean="0"/>
+              <a:rPr lang="en-US"/>
               <a:t>Click to edit Master text styles</a:t>
             </a:r>
           </a:p>
@@ -3423,7 +3422,7 @@
           <a:p>
             <a:pPr lvl="0"/>
             <a:r>
-              <a:rPr lang="en-US" smtClean="0"/>
+              <a:rPr lang="en-US"/>
               <a:t>Click to edit Master text styles</a:t>
             </a:r>
           </a:p>
@@ -3494,7 +3493,7 @@
           <a:p>
             <a:pPr lvl="0"/>
             <a:r>
-              <a:rPr lang="en-US" smtClean="0"/>
+              <a:rPr lang="en-US"/>
               <a:t>Click to edit Master text styles</a:t>
             </a:r>
           </a:p>
@@ -3561,7 +3560,7 @@
           <a:p>
             <a:pPr lvl="0"/>
             <a:r>
-              <a:rPr lang="en-US" smtClean="0"/>
+              <a:rPr lang="en-US"/>
               <a:t>Click to edit Master text styles</a:t>
             </a:r>
           </a:p>
@@ -3584,7 +3583,7 @@
           <a:p>
             <a:fld id="{EE6CD189-E039-4A51-BC88-4927E4923AA0}" type="datetimeFigureOut">
               <a:rPr lang="en-US" smtClean="0"/>
-              <a:t>11/2/2015</a:t>
+              <a:t>4/22/21</a:t>
             </a:fld>
             <a:endParaRPr lang="en-US"/>
           </a:p>
@@ -3773,7 +3772,7 @@
           <a:lstStyle/>
           <a:p>
             <a:r>
-              <a:rPr lang="en-US" smtClean="0"/>
+              <a:rPr lang="en-US"/>
               <a:t>Click to edit Master title style</a:t>
             </a:r>
             <a:endParaRPr lang="en-US" dirty="0"/>
@@ -3845,7 +3844,7 @@
           <a:p>
             <a:pPr lvl="0"/>
             <a:r>
-              <a:rPr lang="en-US" smtClean="0"/>
+              <a:rPr lang="en-US"/>
               <a:t>Click to edit Master text styles</a:t>
             </a:r>
           </a:p>
@@ -3923,7 +3922,7 @@
           </a:lstStyle>
           <a:p>
             <a:r>
-              <a:rPr lang="en-US" smtClean="0"/>
+              <a:rPr lang="en-US"/>
               <a:t>Click icon to add picture</a:t>
             </a:r>
             <a:endParaRPr lang="en-US" dirty="0"/>
@@ -3991,7 +3990,7 @@
           <a:p>
             <a:pPr lvl="0"/>
             <a:r>
-              <a:rPr lang="en-US" smtClean="0"/>
+              <a:rPr lang="en-US"/>
               <a:t>Click to edit Master text styles</a:t>
             </a:r>
           </a:p>
@@ -4062,7 +4061,7 @@
           <a:p>
             <a:pPr lvl="0"/>
             <a:r>
-              <a:rPr lang="en-US" smtClean="0"/>
+              <a:rPr lang="en-US"/>
               <a:t>Click to edit Master text styles</a:t>
             </a:r>
           </a:p>
@@ -4140,7 +4139,7 @@
           </a:lstStyle>
           <a:p>
             <a:r>
-              <a:rPr lang="en-US" smtClean="0"/>
+              <a:rPr lang="en-US"/>
               <a:t>Click icon to add picture</a:t>
             </a:r>
             <a:endParaRPr lang="en-US" dirty="0"/>
@@ -4208,7 +4207,7 @@
           <a:p>
             <a:pPr lvl="0"/>
             <a:r>
-              <a:rPr lang="en-US" smtClean="0"/>
+              <a:rPr lang="en-US"/>
               <a:t>Click to edit Master text styles</a:t>
             </a:r>
           </a:p>
@@ -4279,7 +4278,7 @@
           <a:p>
             <a:pPr lvl="0"/>
             <a:r>
-              <a:rPr lang="en-US" smtClean="0"/>
+              <a:rPr lang="en-US"/>
               <a:t>Click to edit Master text styles</a:t>
             </a:r>
           </a:p>
@@ -4357,7 +4356,7 @@
           </a:lstStyle>
           <a:p>
             <a:r>
-              <a:rPr lang="en-US" smtClean="0"/>
+              <a:rPr lang="en-US"/>
               <a:t>Click icon to add picture</a:t>
             </a:r>
             <a:endParaRPr lang="en-US" dirty="0"/>
@@ -4425,7 +4424,7 @@
           <a:p>
             <a:pPr lvl="0"/>
             <a:r>
-              <a:rPr lang="en-US" smtClean="0"/>
+              <a:rPr lang="en-US"/>
               <a:t>Click to edit Master text styles</a:t>
             </a:r>
           </a:p>
@@ -4448,7 +4447,7 @@
           <a:p>
             <a:fld id="{EE6CD189-E039-4A51-BC88-4927E4923AA0}" type="datetimeFigureOut">
               <a:rPr lang="en-US" smtClean="0"/>
-              <a:t>11/2/2015</a:t>
+              <a:t>4/22/21</a:t>
             </a:fld>
             <a:endParaRPr lang="en-US"/>
           </a:p>
@@ -4542,7 +4541,7 @@
           <a:lstStyle/>
           <a:p>
             <a:r>
-              <a:rPr lang="en-US" smtClean="0"/>
+              <a:rPr lang="en-US"/>
               <a:t>Click to edit Master title style</a:t>
             </a:r>
             <a:endParaRPr lang="en-US" dirty="0"/>
@@ -4566,35 +4565,35 @@
           <a:p>
             <a:pPr lvl="0"/>
             <a:r>
-              <a:rPr lang="en-US" smtClean="0"/>
+              <a:rPr lang="en-US"/>
               <a:t>Click to edit Master text styles</a:t>
             </a:r>
           </a:p>
           <a:p>
             <a:pPr lvl="1"/>
             <a:r>
-              <a:rPr lang="en-US" smtClean="0"/>
+              <a:rPr lang="en-US"/>
               <a:t>Second level</a:t>
             </a:r>
           </a:p>
           <a:p>
             <a:pPr lvl="2"/>
             <a:r>
-              <a:rPr lang="en-US" smtClean="0"/>
+              <a:rPr lang="en-US"/>
               <a:t>Third level</a:t>
             </a:r>
           </a:p>
           <a:p>
             <a:pPr lvl="3"/>
             <a:r>
-              <a:rPr lang="en-US" smtClean="0"/>
+              <a:rPr lang="en-US"/>
               <a:t>Fourth level</a:t>
             </a:r>
           </a:p>
           <a:p>
             <a:pPr lvl="4"/>
             <a:r>
-              <a:rPr lang="en-US" smtClean="0"/>
+              <a:rPr lang="en-US"/>
               <a:t>Fifth level</a:t>
             </a:r>
             <a:endParaRPr lang="en-US" dirty="0"/>
@@ -4618,7 +4617,7 @@
           <a:p>
             <a:fld id="{EE6CD189-E039-4A51-BC88-4927E4923AA0}" type="datetimeFigureOut">
               <a:rPr lang="en-US" smtClean="0"/>
-              <a:t>11/2/2015</a:t>
+              <a:t>4/22/21</a:t>
             </a:fld>
             <a:endParaRPr lang="en-US"/>
           </a:p>
@@ -4721,7 +4720,7 @@
           </a:lstStyle>
           <a:p>
             <a:r>
-              <a:rPr lang="en-US" smtClean="0"/>
+              <a:rPr lang="en-US"/>
               <a:t>Click to edit Master title style</a:t>
             </a:r>
             <a:endParaRPr lang="en-US" dirty="0"/>
@@ -4750,35 +4749,35 @@
           <a:p>
             <a:pPr lvl="0"/>
             <a:r>
-              <a:rPr lang="en-US" smtClean="0"/>
+              <a:rPr lang="en-US"/>
               <a:t>Click to edit Master text styles</a:t>
             </a:r>
           </a:p>
           <a:p>
             <a:pPr lvl="1"/>
             <a:r>
-              <a:rPr lang="en-US" smtClean="0"/>
+              <a:rPr lang="en-US"/>
               <a:t>Second level</a:t>
             </a:r>
           </a:p>
           <a:p>
             <a:pPr lvl="2"/>
             <a:r>
-              <a:rPr lang="en-US" smtClean="0"/>
+              <a:rPr lang="en-US"/>
               <a:t>Third level</a:t>
             </a:r>
           </a:p>
           <a:p>
             <a:pPr lvl="3"/>
             <a:r>
-              <a:rPr lang="en-US" smtClean="0"/>
+              <a:rPr lang="en-US"/>
               <a:t>Fourth level</a:t>
             </a:r>
           </a:p>
           <a:p>
             <a:pPr lvl="4"/>
             <a:r>
-              <a:rPr lang="en-US" smtClean="0"/>
+              <a:rPr lang="en-US"/>
               <a:t>Fifth level</a:t>
             </a:r>
             <a:endParaRPr lang="en-US" dirty="0"/>
@@ -4802,7 +4801,7 @@
           <a:p>
             <a:fld id="{EE6CD189-E039-4A51-BC88-4927E4923AA0}" type="datetimeFigureOut">
               <a:rPr lang="en-US" smtClean="0"/>
-              <a:t>11/2/2015</a:t>
+              <a:t>4/22/21</a:t>
             </a:fld>
             <a:endParaRPr lang="en-US"/>
           </a:p>
@@ -4896,7 +4895,7 @@
           <a:lstStyle/>
           <a:p>
             <a:r>
-              <a:rPr lang="en-US" smtClean="0"/>
+              <a:rPr lang="en-US"/>
               <a:t>Click to edit Master title style</a:t>
             </a:r>
             <a:endParaRPr lang="en-US" dirty="0"/>
@@ -4920,35 +4919,35 @@
           <a:p>
             <a:pPr lvl="0"/>
             <a:r>
-              <a:rPr lang="en-US" smtClean="0"/>
+              <a:rPr lang="en-US"/>
               <a:t>Click to edit Master text styles</a:t>
             </a:r>
           </a:p>
           <a:p>
             <a:pPr lvl="1"/>
             <a:r>
-              <a:rPr lang="en-US" smtClean="0"/>
+              <a:rPr lang="en-US"/>
               <a:t>Second level</a:t>
             </a:r>
           </a:p>
           <a:p>
             <a:pPr lvl="2"/>
             <a:r>
-              <a:rPr lang="en-US" smtClean="0"/>
+              <a:rPr lang="en-US"/>
               <a:t>Third level</a:t>
             </a:r>
           </a:p>
           <a:p>
             <a:pPr lvl="3"/>
             <a:r>
-              <a:rPr lang="en-US" smtClean="0"/>
+              <a:rPr lang="en-US"/>
               <a:t>Fourth level</a:t>
             </a:r>
           </a:p>
           <a:p>
             <a:pPr lvl="4"/>
             <a:r>
-              <a:rPr lang="en-US" smtClean="0"/>
+              <a:rPr lang="en-US"/>
               <a:t>Fifth level</a:t>
             </a:r>
             <a:endParaRPr lang="en-US" dirty="0"/>
@@ -4972,7 +4971,7 @@
           <a:p>
             <a:fld id="{EE6CD189-E039-4A51-BC88-4927E4923AA0}" type="datetimeFigureOut">
               <a:rPr lang="en-US" smtClean="0"/>
-              <a:t>11/2/2015</a:t>
+              <a:t>4/22/21</a:t>
             </a:fld>
             <a:endParaRPr lang="en-US"/>
           </a:p>
@@ -5075,7 +5074,7 @@
           </a:lstStyle>
           <a:p>
             <a:r>
-              <a:rPr lang="en-US" smtClean="0"/>
+              <a:rPr lang="en-US"/>
               <a:t>Click to edit Master title style</a:t>
             </a:r>
             <a:endParaRPr lang="en-US" dirty="0"/>
@@ -5193,7 +5192,7 @@
           <a:p>
             <a:pPr lvl="0"/>
             <a:r>
-              <a:rPr lang="en-US" smtClean="0"/>
+              <a:rPr lang="en-US"/>
               <a:t>Click to edit Master text styles</a:t>
             </a:r>
           </a:p>
@@ -5216,7 +5215,7 @@
           <a:p>
             <a:fld id="{EE6CD189-E039-4A51-BC88-4927E4923AA0}" type="datetimeFigureOut">
               <a:rPr lang="en-US" smtClean="0"/>
-              <a:t>11/2/2015</a:t>
+              <a:t>4/22/21</a:t>
             </a:fld>
             <a:endParaRPr lang="en-US"/>
           </a:p>
@@ -5310,7 +5309,7 @@
           <a:lstStyle/>
           <a:p>
             <a:r>
-              <a:rPr lang="en-US" smtClean="0"/>
+              <a:rPr lang="en-US"/>
               <a:t>Click to edit Master title style</a:t>
             </a:r>
             <a:endParaRPr lang="en-US" dirty="0"/>
@@ -5341,35 +5340,35 @@
           <a:p>
             <a:pPr lvl="0"/>
             <a:r>
-              <a:rPr lang="en-US" smtClean="0"/>
+              <a:rPr lang="en-US"/>
               <a:t>Click to edit Master text styles</a:t>
             </a:r>
           </a:p>
           <a:p>
             <a:pPr lvl="1"/>
             <a:r>
-              <a:rPr lang="en-US" smtClean="0"/>
+              <a:rPr lang="en-US"/>
               <a:t>Second level</a:t>
             </a:r>
           </a:p>
           <a:p>
             <a:pPr lvl="2"/>
             <a:r>
-              <a:rPr lang="en-US" smtClean="0"/>
+              <a:rPr lang="en-US"/>
               <a:t>Third level</a:t>
             </a:r>
           </a:p>
           <a:p>
             <a:pPr lvl="3"/>
             <a:r>
-              <a:rPr lang="en-US" smtClean="0"/>
+              <a:rPr lang="en-US"/>
               <a:t>Fourth level</a:t>
             </a:r>
           </a:p>
           <a:p>
             <a:pPr lvl="4"/>
             <a:r>
-              <a:rPr lang="en-US" smtClean="0"/>
+              <a:rPr lang="en-US"/>
               <a:t>Fifth level</a:t>
             </a:r>
             <a:endParaRPr lang="en-US" dirty="0"/>
@@ -5400,35 +5399,35 @@
           <a:p>
             <a:pPr lvl="0"/>
             <a:r>
-              <a:rPr lang="en-US" smtClean="0"/>
+              <a:rPr lang="en-US"/>
               <a:t>Click to edit Master text styles</a:t>
             </a:r>
           </a:p>
           <a:p>
             <a:pPr lvl="1"/>
             <a:r>
-              <a:rPr lang="en-US" smtClean="0"/>
+              <a:rPr lang="en-US"/>
               <a:t>Second level</a:t>
             </a:r>
           </a:p>
           <a:p>
             <a:pPr lvl="2"/>
             <a:r>
-              <a:rPr lang="en-US" smtClean="0"/>
+              <a:rPr lang="en-US"/>
               <a:t>Third level</a:t>
             </a:r>
           </a:p>
           <a:p>
             <a:pPr lvl="3"/>
             <a:r>
-              <a:rPr lang="en-US" smtClean="0"/>
+              <a:rPr lang="en-US"/>
               <a:t>Fourth level</a:t>
             </a:r>
           </a:p>
           <a:p>
             <a:pPr lvl="4"/>
             <a:r>
-              <a:rPr lang="en-US" smtClean="0"/>
+              <a:rPr lang="en-US"/>
               <a:t>Fifth level</a:t>
             </a:r>
             <a:endParaRPr lang="en-US" dirty="0"/>
@@ -5452,7 +5451,7 @@
           <a:p>
             <a:fld id="{EE6CD189-E039-4A51-BC88-4927E4923AA0}" type="datetimeFigureOut">
               <a:rPr lang="en-US" smtClean="0"/>
-              <a:t>11/2/2015</a:t>
+              <a:t>4/22/21</a:t>
             </a:fld>
             <a:endParaRPr lang="en-US"/>
           </a:p>
@@ -5610,7 +5609,7 @@
           </a:lstStyle>
           <a:p>
             <a:r>
-              <a:rPr lang="en-US" smtClean="0"/>
+              <a:rPr lang="en-US"/>
               <a:t>Click to edit Master title style</a:t>
             </a:r>
             <a:endParaRPr lang="en-US" dirty="0"/>
@@ -5678,7 +5677,7 @@
           <a:p>
             <a:pPr lvl="0"/>
             <a:r>
-              <a:rPr lang="en-US" smtClean="0"/>
+              <a:rPr lang="en-US"/>
               <a:t>Click to edit Master text styles</a:t>
             </a:r>
           </a:p>
@@ -5724,35 +5723,35 @@
           <a:p>
             <a:pPr lvl="0"/>
             <a:r>
-              <a:rPr lang="en-US" smtClean="0"/>
+              <a:rPr lang="en-US"/>
               <a:t>Click to edit Master text styles</a:t>
             </a:r>
           </a:p>
           <a:p>
             <a:pPr lvl="1"/>
             <a:r>
-              <a:rPr lang="en-US" smtClean="0"/>
+              <a:rPr lang="en-US"/>
               <a:t>Second level</a:t>
             </a:r>
           </a:p>
           <a:p>
             <a:pPr lvl="2"/>
             <a:r>
-              <a:rPr lang="en-US" smtClean="0"/>
+              <a:rPr lang="en-US"/>
               <a:t>Third level</a:t>
             </a:r>
           </a:p>
           <a:p>
             <a:pPr lvl="3"/>
             <a:r>
-              <a:rPr lang="en-US" smtClean="0"/>
+              <a:rPr lang="en-US"/>
               <a:t>Fourth level</a:t>
             </a:r>
           </a:p>
           <a:p>
             <a:pPr lvl="4"/>
             <a:r>
-              <a:rPr lang="en-US" smtClean="0"/>
+              <a:rPr lang="en-US"/>
               <a:t>Fifth level</a:t>
             </a:r>
             <a:endParaRPr lang="en-US" dirty="0"/>
@@ -5820,7 +5819,7 @@
           <a:p>
             <a:pPr lvl="0"/>
             <a:r>
-              <a:rPr lang="en-US" smtClean="0"/>
+              <a:rPr lang="en-US"/>
               <a:t>Click to edit Master text styles</a:t>
             </a:r>
           </a:p>
@@ -5866,35 +5865,35 @@
           <a:p>
             <a:pPr lvl="0"/>
             <a:r>
-              <a:rPr lang="en-US" smtClean="0"/>
+              <a:rPr lang="en-US"/>
               <a:t>Click to edit Master text styles</a:t>
             </a:r>
           </a:p>
           <a:p>
             <a:pPr lvl="1"/>
             <a:r>
-              <a:rPr lang="en-US" smtClean="0"/>
+              <a:rPr lang="en-US"/>
               <a:t>Second level</a:t>
             </a:r>
           </a:p>
           <a:p>
             <a:pPr lvl="2"/>
             <a:r>
-              <a:rPr lang="en-US" smtClean="0"/>
+              <a:rPr lang="en-US"/>
               <a:t>Third level</a:t>
             </a:r>
           </a:p>
           <a:p>
             <a:pPr lvl="3"/>
             <a:r>
-              <a:rPr lang="en-US" smtClean="0"/>
+              <a:rPr lang="en-US"/>
               <a:t>Fourth level</a:t>
             </a:r>
           </a:p>
           <a:p>
             <a:pPr lvl="4"/>
             <a:r>
-              <a:rPr lang="en-US" smtClean="0"/>
+              <a:rPr lang="en-US"/>
               <a:t>Fifth level</a:t>
             </a:r>
             <a:endParaRPr lang="en-US" dirty="0"/>
@@ -5918,7 +5917,7 @@
           <a:p>
             <a:fld id="{EE6CD189-E039-4A51-BC88-4927E4923AA0}" type="datetimeFigureOut">
               <a:rPr lang="en-US" smtClean="0"/>
-              <a:t>11/2/2015</a:t>
+              <a:t>4/22/21</a:t>
             </a:fld>
             <a:endParaRPr lang="en-US"/>
           </a:p>
@@ -6012,7 +6011,7 @@
           <a:lstStyle/>
           <a:p>
             <a:r>
-              <a:rPr lang="en-US" smtClean="0"/>
+              <a:rPr lang="en-US"/>
               <a:t>Click to edit Master title style</a:t>
             </a:r>
             <a:endParaRPr lang="en-US" dirty="0"/>
@@ -6036,7 +6035,7 @@
           <a:p>
             <a:fld id="{EE6CD189-E039-4A51-BC88-4927E4923AA0}" type="datetimeFigureOut">
               <a:rPr lang="en-US" smtClean="0"/>
-              <a:t>11/2/2015</a:t>
+              <a:t>4/22/21</a:t>
             </a:fld>
             <a:endParaRPr lang="en-US"/>
           </a:p>
@@ -6131,7 +6130,7 @@
           <a:p>
             <a:fld id="{EE6CD189-E039-4A51-BC88-4927E4923AA0}" type="datetimeFigureOut">
               <a:rPr lang="en-US" smtClean="0"/>
-              <a:t>11/2/2015</a:t>
+              <a:t>4/22/21</a:t>
             </a:fld>
             <a:endParaRPr lang="en-US"/>
           </a:p>
@@ -6236,7 +6235,7 @@
           </a:lstStyle>
           <a:p>
             <a:r>
-              <a:rPr lang="en-US" smtClean="0"/>
+              <a:rPr lang="en-US"/>
               <a:t>Click to edit Master title style</a:t>
             </a:r>
             <a:endParaRPr lang="en-US" dirty="0"/>
@@ -6267,35 +6266,35 @@
           <a:p>
             <a:pPr lvl="0"/>
             <a:r>
-              <a:rPr lang="en-US" smtClean="0"/>
+              <a:rPr lang="en-US"/>
               <a:t>Click to edit Master text styles</a:t>
             </a:r>
           </a:p>
           <a:p>
             <a:pPr lvl="1"/>
             <a:r>
-              <a:rPr lang="en-US" smtClean="0"/>
+              <a:rPr lang="en-US"/>
               <a:t>Second level</a:t>
             </a:r>
           </a:p>
           <a:p>
             <a:pPr lvl="2"/>
             <a:r>
-              <a:rPr lang="en-US" smtClean="0"/>
+              <a:rPr lang="en-US"/>
               <a:t>Third level</a:t>
             </a:r>
           </a:p>
           <a:p>
             <a:pPr lvl="3"/>
             <a:r>
-              <a:rPr lang="en-US" smtClean="0"/>
+              <a:rPr lang="en-US"/>
               <a:t>Fourth level</a:t>
             </a:r>
           </a:p>
           <a:p>
             <a:pPr lvl="4"/>
             <a:r>
-              <a:rPr lang="en-US" smtClean="0"/>
+              <a:rPr lang="en-US"/>
               <a:t>Fifth level</a:t>
             </a:r>
             <a:endParaRPr lang="en-US" dirty="0"/>
@@ -6363,7 +6362,7 @@
           <a:p>
             <a:pPr lvl="0"/>
             <a:r>
-              <a:rPr lang="en-US" smtClean="0"/>
+              <a:rPr lang="en-US"/>
               <a:t>Click to edit Master text styles</a:t>
             </a:r>
           </a:p>
@@ -6386,7 +6385,7 @@
           <a:p>
             <a:fld id="{EE6CD189-E039-4A51-BC88-4927E4923AA0}" type="datetimeFigureOut">
               <a:rPr lang="en-US" smtClean="0"/>
-              <a:t>11/2/2015</a:t>
+              <a:t>4/22/21</a:t>
             </a:fld>
             <a:endParaRPr lang="en-US"/>
           </a:p>
@@ -6521,7 +6520,7 @@
           </a:lstStyle>
           <a:p>
             <a:r>
-              <a:rPr lang="en-US" smtClean="0"/>
+              <a:rPr lang="en-US"/>
               <a:t>Click to edit Master title style</a:t>
             </a:r>
             <a:endParaRPr lang="en-US" dirty="0"/>
@@ -6595,7 +6594,7 @@
           </a:lstStyle>
           <a:p>
             <a:r>
-              <a:rPr lang="en-US" smtClean="0"/>
+              <a:rPr lang="en-US"/>
               <a:t>Click icon to add picture</a:t>
             </a:r>
             <a:endParaRPr lang="en-US" dirty="0"/>
@@ -6663,7 +6662,7 @@
           <a:p>
             <a:pPr lvl="0"/>
             <a:r>
-              <a:rPr lang="en-US" smtClean="0"/>
+              <a:rPr lang="en-US"/>
               <a:t>Click to edit Master text styles</a:t>
             </a:r>
           </a:p>
@@ -6686,7 +6685,7 @@
           <a:p>
             <a:fld id="{EE6CD189-E039-4A51-BC88-4927E4923AA0}" type="datetimeFigureOut">
               <a:rPr lang="en-US" smtClean="0"/>
-              <a:t>11/2/2015</a:t>
+              <a:t>4/22/21</a:t>
             </a:fld>
             <a:endParaRPr lang="en-US"/>
           </a:p>
@@ -6802,7 +6801,7 @@
           <a:lstStyle/>
           <a:p>
             <a:r>
-              <a:rPr lang="en-US" smtClean="0"/>
+              <a:rPr lang="en-US"/>
               <a:t>Click to edit Master title style</a:t>
             </a:r>
             <a:endParaRPr lang="en-US" dirty="0"/>
@@ -6843,35 +6842,35 @@
           <a:p>
             <a:pPr lvl="0"/>
             <a:r>
-              <a:rPr lang="en-US" smtClean="0"/>
+              <a:rPr lang="en-US"/>
               <a:t>Click to edit Master text styles</a:t>
             </a:r>
           </a:p>
           <a:p>
             <a:pPr lvl="1"/>
             <a:r>
-              <a:rPr lang="en-US" smtClean="0"/>
+              <a:rPr lang="en-US"/>
               <a:t>Second level</a:t>
             </a:r>
           </a:p>
           <a:p>
             <a:pPr lvl="2"/>
             <a:r>
-              <a:rPr lang="en-US" smtClean="0"/>
+              <a:rPr lang="en-US"/>
               <a:t>Third level</a:t>
             </a:r>
           </a:p>
           <a:p>
             <a:pPr lvl="3"/>
             <a:r>
-              <a:rPr lang="en-US" smtClean="0"/>
+              <a:rPr lang="en-US"/>
               <a:t>Fourth level</a:t>
             </a:r>
           </a:p>
           <a:p>
             <a:pPr lvl="4"/>
             <a:r>
-              <a:rPr lang="en-US" smtClean="0"/>
+              <a:rPr lang="en-US"/>
               <a:t>Fifth level</a:t>
             </a:r>
             <a:endParaRPr lang="en-US" dirty="0"/>
@@ -6920,7 +6919,7 @@
           <a:p>
             <a:fld id="{EE6CD189-E039-4A51-BC88-4927E4923AA0}" type="datetimeFigureOut">
               <a:rPr lang="en-US" smtClean="0"/>
-              <a:t>11/2/2015</a:t>
+              <a:t>4/22/21</a:t>
             </a:fld>
             <a:endParaRPr lang="en-US"/>
           </a:p>
@@ -7610,17 +7609,16 @@
           <a:lstStyle/>
           <a:p>
             <a:r>
-              <a:rPr lang="en-US" dirty="0" smtClean="0"/>
+              <a:rPr lang="en-US" dirty="0"/>
               <a:t>CS4710: Artificial Intelligence</a:t>
             </a:r>
             <a:br>
-              <a:rPr lang="en-US" dirty="0" smtClean="0"/>
+              <a:rPr lang="en-US" dirty="0"/>
             </a:br>
             <a:r>
-              <a:rPr lang="en-US" dirty="0" smtClean="0"/>
+              <a:rPr lang="en-US" dirty="0"/>
               <a:t>Multi-Agent Systems</a:t>
             </a:r>
-            <a:endParaRPr lang="en-US" dirty="0"/>
           </a:p>
         </p:txBody>
       </p:sp>
@@ -7640,10 +7638,9 @@
           <a:lstStyle/>
           <a:p>
             <a:r>
-              <a:rPr lang="en-US" dirty="0" smtClean="0"/>
+              <a:rPr lang="en-US" dirty="0"/>
               <a:t>Many systems require multiple intelligent agents that work together. Let’s study a couple brief techniques involving these systems.</a:t>
             </a:r>
-            <a:endParaRPr lang="en-US" dirty="0"/>
           </a:p>
         </p:txBody>
       </p:sp>
@@ -7657,13 +7654,6 @@
   <p:clrMapOvr>
     <a:masterClrMapping/>
   </p:clrMapOvr>
-  <p:timing>
-    <p:tnLst>
-      <p:par>
-        <p:cTn id="1" dur="indefinite" restart="never" nodeType="tmRoot"/>
-      </p:par>
-    </p:tnLst>
-  </p:timing>
 </p:sld>
 </file>
 
@@ -7708,7 +7698,7 @@
               <a:buNone/>
             </a:pPr>
             <a:r>
-              <a:rPr lang="en-US" sz="2400" b="1" dirty="0" smtClean="0"/>
+              <a:rPr lang="en-US" sz="2400" b="1" dirty="0"/>
               <a:t>Constraint-Satisfaction Problems</a:t>
             </a:r>
           </a:p>
@@ -7723,9 +7713,23 @@
               <a:buNone/>
             </a:pPr>
             <a:r>
-              <a:rPr lang="en-US" dirty="0" smtClean="0"/>
+              <a:rPr lang="en-US" dirty="0"/>
               <a:t>Example:</a:t>
             </a:r>
+          </a:p>
+          <a:p>
+            <a:pPr marL="36900" indent="0">
+              <a:buNone/>
+            </a:pPr>
+            <a:r>
+              <a:rPr lang="en-US" i="1" dirty="0"/>
+              <a:t>Consider three sensors (see image) can work on one of three frequencies. All work fine, but no two agents can work on the same frequency. How to select a valid assignment?</a:t>
+            </a:r>
+          </a:p>
+          <a:p>
+            <a:pPr marL="36900" indent="0">
+              <a:buNone/>
+            </a:pPr>
             <a:endParaRPr lang="en-US" dirty="0"/>
           </a:p>
           <a:p>
@@ -7733,22 +7737,7 @@
               <a:buNone/>
             </a:pPr>
             <a:r>
-              <a:rPr lang="en-US" i="1" dirty="0" smtClean="0"/>
-              <a:t>Consider three sensors (see image) can work on one of three frequencies. All work fine, but no two agents can work on the same frequency. How to select a valid assignment?</a:t>
-            </a:r>
-          </a:p>
-          <a:p>
-            <a:pPr marL="36900" indent="0">
-              <a:buNone/>
-            </a:pPr>
-            <a:endParaRPr lang="en-US" dirty="0"/>
-          </a:p>
-          <a:p>
-            <a:pPr marL="36900" indent="0">
-              <a:buNone/>
-            </a:pPr>
-            <a:r>
-              <a:rPr lang="en-US" dirty="0" smtClean="0"/>
+              <a:rPr lang="en-US" dirty="0"/>
               <a:t>Really, this is equivalent to a graph coloring problem, so let’s solve this problem instead.</a:t>
             </a:r>
           </a:p>
@@ -7788,13 +7777,6 @@
   <p:clrMapOvr>
     <a:masterClrMapping/>
   </p:clrMapOvr>
-  <p:timing>
-    <p:tnLst>
-      <p:par>
-        <p:cTn id="1" dur="indefinite" restart="never" nodeType="tmRoot"/>
-      </p:par>
-    </p:tnLst>
-  </p:timing>
 </p:sld>
 </file>
 
@@ -7839,7 +7821,7 @@
               <a:buNone/>
             </a:pPr>
             <a:r>
-              <a:rPr lang="en-US" sz="2400" b="1" dirty="0" smtClean="0"/>
+              <a:rPr lang="en-US" sz="2400" b="1" dirty="0"/>
               <a:t>A Filtering Algorithm</a:t>
             </a:r>
           </a:p>
@@ -7854,7 +7836,7 @@
               <a:buNone/>
             </a:pPr>
             <a:r>
-              <a:rPr lang="en-US" dirty="0" smtClean="0"/>
+              <a:rPr lang="en-US" dirty="0"/>
               <a:t>A simple (kind of dumb) algorithm to start with.</a:t>
             </a:r>
           </a:p>
@@ -7869,7 +7851,7 @@
               <a:buNone/>
             </a:pPr>
             <a:r>
-              <a:rPr lang="en-US" dirty="0" smtClean="0"/>
+              <a:rPr lang="en-US" dirty="0"/>
               <a:t>Idea:</a:t>
             </a:r>
           </a:p>
@@ -7879,7 +7861,7 @@
               <a:buChar char="-"/>
             </a:pPr>
             <a:r>
-              <a:rPr lang="en-US" dirty="0" smtClean="0"/>
+              <a:rPr lang="en-US" dirty="0"/>
               <a:t>have agents communicate their possible values to nearby agents.</a:t>
             </a:r>
           </a:p>
@@ -7889,7 +7871,7 @@
               <a:buChar char="-"/>
             </a:pPr>
             <a:r>
-              <a:rPr lang="en-US" dirty="0" smtClean="0"/>
+              <a:rPr lang="en-US" dirty="0"/>
               <a:t>Have each agent attempt to rule out values from its own list when possible.</a:t>
             </a:r>
           </a:p>
@@ -7899,7 +7881,7 @@
               <a:buChar char="-"/>
             </a:pPr>
             <a:r>
-              <a:rPr lang="en-US" dirty="0" smtClean="0"/>
+              <a:rPr lang="en-US" dirty="0"/>
               <a:t>If an agents list changes, update nearby agents of the change.</a:t>
             </a:r>
           </a:p>
@@ -7939,13 +7921,6 @@
   <p:clrMapOvr>
     <a:masterClrMapping/>
   </p:clrMapOvr>
-  <p:timing>
-    <p:tnLst>
-      <p:par>
-        <p:cTn id="1" dur="indefinite" restart="never" nodeType="tmRoot"/>
-      </p:par>
-    </p:tnLst>
-  </p:timing>
 </p:sld>
 </file>
 
@@ -7990,7 +7965,7 @@
               <a:buNone/>
             </a:pPr>
             <a:r>
-              <a:rPr lang="en-US" sz="2400" b="1" dirty="0" smtClean="0"/>
+              <a:rPr lang="en-US" sz="2400" b="1" dirty="0"/>
               <a:t>A Filtering Algorithm</a:t>
             </a:r>
           </a:p>
@@ -8060,13 +8035,6 @@
   <p:clrMapOvr>
     <a:masterClrMapping/>
   </p:clrMapOvr>
-  <p:timing>
-    <p:tnLst>
-      <p:par>
-        <p:cTn id="1" dur="indefinite" restart="never" nodeType="tmRoot"/>
-      </p:par>
-    </p:tnLst>
-  </p:timing>
 </p:sld>
 </file>
 
@@ -8111,7 +8079,7 @@
               <a:buNone/>
             </a:pPr>
             <a:r>
-              <a:rPr lang="en-US" sz="2400" b="1" dirty="0" smtClean="0"/>
+              <a:rPr lang="en-US" sz="2400" b="1" dirty="0"/>
               <a:t>A Filtering Algorithm</a:t>
             </a:r>
           </a:p>
@@ -8126,7 +8094,7 @@
               <a:buNone/>
             </a:pPr>
             <a:r>
-              <a:rPr lang="en-US" dirty="0" smtClean="0"/>
+              <a:rPr lang="en-US" dirty="0"/>
               <a:t>What will happen on these?</a:t>
             </a:r>
           </a:p>
@@ -8166,13 +8134,6 @@
   <p:clrMapOvr>
     <a:masterClrMapping/>
   </p:clrMapOvr>
-  <p:timing>
-    <p:tnLst>
-      <p:par>
-        <p:cTn id="1" dur="indefinite" restart="never" nodeType="tmRoot"/>
-      </p:par>
-    </p:tnLst>
-  </p:timing>
 </p:sld>
 </file>
 
@@ -8219,7 +8180,7 @@
               <a:buNone/>
             </a:pPr>
             <a:r>
-              <a:rPr lang="en-US" sz="2400" b="1" dirty="0" smtClean="0"/>
+              <a:rPr lang="en-US" sz="2400" b="1" dirty="0"/>
               <a:t>A Filtering Algorithm</a:t>
             </a:r>
           </a:p>
@@ -8234,7 +8195,7 @@
               <a:buNone/>
             </a:pPr>
             <a:r>
-              <a:rPr lang="en-US" dirty="0" smtClean="0"/>
+              <a:rPr lang="en-US" dirty="0"/>
               <a:t>What will happen on these?</a:t>
             </a:r>
           </a:p>
@@ -8249,7 +8210,7 @@
               <a:buAutoNum type="alphaLcParenR"/>
             </a:pPr>
             <a:r>
-              <a:rPr lang="en-US" dirty="0" smtClean="0"/>
+              <a:rPr lang="en-US" dirty="0"/>
               <a:t>Works fine, solution found</a:t>
             </a:r>
           </a:p>
@@ -8258,7 +8219,7 @@
               <a:buAutoNum type="alphaLcParenR"/>
             </a:pPr>
             <a:r>
-              <a:rPr lang="en-US" dirty="0" smtClean="0"/>
+              <a:rPr lang="en-US" dirty="0"/>
               <a:t>Works, discovers no solution possible</a:t>
             </a:r>
           </a:p>
@@ -8267,7 +8228,7 @@
               <a:buAutoNum type="alphaLcParenR"/>
             </a:pPr>
             <a:r>
-              <a:rPr lang="en-US" dirty="0" smtClean="0"/>
+              <a:rPr lang="en-US" dirty="0"/>
               <a:t>Halts, doesn’t know if there is a solution even though there is not</a:t>
             </a:r>
           </a:p>
@@ -8276,7 +8237,7 @@
               <a:buAutoNum type="alphaLcParenR"/>
             </a:pPr>
             <a:r>
-              <a:rPr lang="en-US" dirty="0" smtClean="0"/>
+              <a:rPr lang="en-US" dirty="0"/>
               <a:t>Halts, doesn’t know if there is a solution even though there is</a:t>
             </a:r>
           </a:p>
@@ -8291,7 +8252,7 @@
               <a:buNone/>
             </a:pPr>
             <a:r>
-              <a:rPr lang="en-US" dirty="0" smtClean="0"/>
+              <a:rPr lang="en-US" dirty="0"/>
               <a:t>Algorithm is:</a:t>
             </a:r>
           </a:p>
@@ -8300,7 +8261,7 @@
               <a:buNone/>
             </a:pPr>
             <a:r>
-              <a:rPr lang="en-US" dirty="0" smtClean="0"/>
+              <a:rPr lang="en-US" dirty="0"/>
               <a:t>Sound (returns yes/no correctly)</a:t>
             </a:r>
           </a:p>
@@ -8309,7 +8270,7 @@
               <a:buNone/>
             </a:pPr>
             <a:r>
-              <a:rPr lang="en-US" dirty="0" smtClean="0"/>
+              <a:rPr lang="en-US" dirty="0"/>
               <a:t>Not Complete (doesn’t always find an answer)</a:t>
             </a:r>
           </a:p>
@@ -8317,7 +8278,7 @@
             <a:pPr marL="36900" indent="0">
               <a:buNone/>
             </a:pPr>
-            <a:endParaRPr lang="en-US" dirty="0" smtClean="0"/>
+            <a:endParaRPr lang="en-US" dirty="0"/>
           </a:p>
         </p:txBody>
       </p:sp>
@@ -8355,13 +8316,6 @@
   <p:clrMapOvr>
     <a:masterClrMapping/>
   </p:clrMapOvr>
-  <p:timing>
-    <p:tnLst>
-      <p:par>
-        <p:cTn id="1" dur="indefinite" restart="never" nodeType="tmRoot"/>
-      </p:par>
-    </p:tnLst>
-  </p:timing>
 </p:sld>
 </file>
 
@@ -8408,7 +8362,7 @@
               <a:buNone/>
             </a:pPr>
             <a:r>
-              <a:rPr lang="en-US" sz="2400" b="1" dirty="0" smtClean="0"/>
+              <a:rPr lang="en-US" sz="2400" b="1" dirty="0"/>
               <a:t>A Filtering Algorithm</a:t>
             </a:r>
           </a:p>
@@ -8423,7 +8377,7 @@
               <a:buNone/>
             </a:pPr>
             <a:r>
-              <a:rPr lang="en-US" dirty="0" smtClean="0"/>
+              <a:rPr lang="en-US" dirty="0"/>
               <a:t>This algorithm applies logic rules of the following form:</a:t>
             </a:r>
           </a:p>
@@ -8437,13 +8391,13 @@
             <a:pPr marL="36900" indent="0">
               <a:buNone/>
             </a:pPr>
-            <a:endParaRPr lang="en-US" dirty="0" smtClean="0"/>
+            <a:endParaRPr lang="en-US" dirty="0"/>
           </a:p>
           <a:p>
             <a:pPr marL="36900" indent="0">
               <a:buNone/>
             </a:pPr>
-            <a:endParaRPr lang="en-US" dirty="0" smtClean="0"/>
+            <a:endParaRPr lang="en-US" dirty="0"/>
           </a:p>
           <a:p>
             <a:pPr marL="36900" indent="0">
@@ -8456,7 +8410,7 @@
               <a:buNone/>
             </a:pPr>
             <a:r>
-              <a:rPr lang="en-US" dirty="0" smtClean="0"/>
+              <a:rPr lang="en-US" dirty="0"/>
               <a:t>Example:</a:t>
             </a:r>
           </a:p>
@@ -8544,13 +8498,6 @@
   <p:clrMapOvr>
     <a:masterClrMapping/>
   </p:clrMapOvr>
-  <p:timing>
-    <p:tnLst>
-      <p:par>
-        <p:cTn id="1" dur="indefinite" restart="never" nodeType="tmRoot"/>
-      </p:par>
-    </p:tnLst>
-  </p:timing>
 </p:sld>
 </file>
 
@@ -8597,7 +8544,7 @@
               <a:buNone/>
             </a:pPr>
             <a:r>
-              <a:rPr lang="en-US" sz="2400" b="1" dirty="0" smtClean="0"/>
+              <a:rPr lang="en-US" sz="2400" b="1" dirty="0"/>
               <a:t>Hyper-resolution</a:t>
             </a:r>
           </a:p>
@@ -8612,7 +8559,7 @@
               <a:buNone/>
             </a:pPr>
             <a:r>
-              <a:rPr lang="en-US" dirty="0" smtClean="0"/>
+              <a:rPr lang="en-US" dirty="0"/>
               <a:t>Idea:</a:t>
             </a:r>
           </a:p>
@@ -8621,7 +8568,7 @@
               <a:buNone/>
             </a:pPr>
             <a:r>
-              <a:rPr lang="en-US" dirty="0" smtClean="0"/>
+              <a:rPr lang="en-US" dirty="0"/>
               <a:t>We can make this algorithm better by strengthening the inference rules that are being applied.</a:t>
             </a:r>
           </a:p>
@@ -8636,7 +8583,7 @@
               <a:buNone/>
             </a:pPr>
             <a:r>
-              <a:rPr lang="en-US" dirty="0" smtClean="0"/>
+              <a:rPr lang="en-US" dirty="0"/>
               <a:t>To the left, we have a generalization of the rule from the previous slide.</a:t>
             </a:r>
           </a:p>
@@ -8651,7 +8598,7 @@
               <a:buNone/>
             </a:pPr>
             <a:r>
-              <a:rPr lang="en-US" dirty="0" smtClean="0"/>
+              <a:rPr lang="en-US" dirty="0"/>
               <a:t>Can handle the case where another agent can take on multiple values.</a:t>
             </a:r>
           </a:p>
@@ -8691,13 +8638,6 @@
   <p:clrMapOvr>
     <a:masterClrMapping/>
   </p:clrMapOvr>
-  <p:timing>
-    <p:tnLst>
-      <p:par>
-        <p:cTn id="1" dur="indefinite" restart="never" nodeType="tmRoot"/>
-      </p:par>
-    </p:tnLst>
-  </p:timing>
 </p:sld>
 </file>
 
@@ -8744,7 +8684,7 @@
               <a:buNone/>
             </a:pPr>
             <a:r>
-              <a:rPr lang="en-US" sz="2400" b="1" dirty="0" smtClean="0"/>
+              <a:rPr lang="en-US" sz="2400" b="1" dirty="0"/>
               <a:t>Hyper-resolution</a:t>
             </a:r>
           </a:p>
@@ -8758,14 +8698,14 @@
             <a:pPr marL="36900" indent="0">
               <a:buNone/>
             </a:pPr>
-            <a:endParaRPr lang="en-US" dirty="0" smtClean="0"/>
+            <a:endParaRPr lang="en-US" dirty="0"/>
           </a:p>
           <a:p>
             <a:pPr marL="36900" indent="0">
               <a:buNone/>
             </a:pPr>
             <a:r>
-              <a:rPr lang="en-US" dirty="0" smtClean="0"/>
+              <a:rPr lang="en-US" dirty="0"/>
               <a:t>Top row is the values another agent told us it can take.</a:t>
             </a:r>
           </a:p>
@@ -8780,7 +8720,7 @@
               <a:buNone/>
             </a:pPr>
             <a:r>
-              <a:rPr lang="en-US" dirty="0" smtClean="0"/>
+              <a:rPr lang="en-US" dirty="0"/>
               <a:t>Next n rows is the invalid combinations (constraints) that multiple agents can take</a:t>
             </a:r>
           </a:p>
@@ -8795,7 +8735,7 @@
               <a:buNone/>
             </a:pPr>
             <a:r>
-              <a:rPr lang="en-US" dirty="0" smtClean="0"/>
+              <a:rPr lang="en-US" dirty="0"/>
               <a:t>Last row is the conclusion, a new constraint that must be satisfied for there to be a solution.</a:t>
             </a:r>
           </a:p>
@@ -8835,13 +8775,6 @@
   <p:clrMapOvr>
     <a:masterClrMapping/>
   </p:clrMapOvr>
-  <p:timing>
-    <p:tnLst>
-      <p:par>
-        <p:cTn id="1" dur="indefinite" restart="never" nodeType="tmRoot"/>
-      </p:par>
-    </p:tnLst>
-  </p:timing>
 </p:sld>
 </file>
 
@@ -8888,7 +8821,7 @@
               <a:buNone/>
             </a:pPr>
             <a:r>
-              <a:rPr lang="en-US" sz="2400" b="1" dirty="0" smtClean="0"/>
+              <a:rPr lang="en-US" sz="2400" b="1" dirty="0"/>
               <a:t>Hyper-resolution</a:t>
             </a:r>
           </a:p>
@@ -8896,30 +8829,30 @@
             <a:pPr marL="36900" indent="0">
               <a:buNone/>
             </a:pPr>
-            <a:endParaRPr lang="en-US" dirty="0" smtClean="0"/>
+            <a:endParaRPr lang="en-US" dirty="0"/>
           </a:p>
           <a:p>
             <a:pPr marL="36900" indent="0">
               <a:buNone/>
             </a:pPr>
             <a:r>
-              <a:rPr lang="en-US" dirty="0" smtClean="0"/>
+              <a:rPr lang="en-US" dirty="0"/>
               <a:t>Each </a:t>
             </a:r>
             <a:r>
-              <a:rPr lang="en-US" dirty="0" err="1" smtClean="0"/>
+              <a:rPr lang="en-US" dirty="0" err="1"/>
               <a:t>Ai,j</a:t>
             </a:r>
             <a:r>
-              <a:rPr lang="en-US" dirty="0" smtClean="0"/>
+              <a:rPr lang="en-US" dirty="0"/>
               <a:t> in the formula represents what we call a </a:t>
             </a:r>
             <a:r>
-              <a:rPr lang="en-US" dirty="0" err="1" smtClean="0"/>
+              <a:rPr lang="en-US" dirty="0" err="1"/>
               <a:t>NoGood</a:t>
             </a:r>
             <a:r>
-              <a:rPr lang="en-US" dirty="0" smtClean="0"/>
+              <a:rPr lang="en-US" dirty="0"/>
               <a:t> (a silly name, I know)</a:t>
             </a:r>
           </a:p>
@@ -8934,15 +8867,15 @@
               <a:buNone/>
             </a:pPr>
             <a:r>
-              <a:rPr lang="en-US" dirty="0" smtClean="0"/>
+              <a:rPr lang="en-US" dirty="0"/>
               <a:t>A </a:t>
             </a:r>
             <a:r>
-              <a:rPr lang="en-US" dirty="0" err="1" smtClean="0"/>
+              <a:rPr lang="en-US" dirty="0" err="1"/>
               <a:t>NoGood</a:t>
             </a:r>
             <a:r>
-              <a:rPr lang="en-US" dirty="0" smtClean="0"/>
+              <a:rPr lang="en-US" dirty="0"/>
               <a:t>, is a propositional representation of a set of values that cannot be taken on in a valid solution</a:t>
             </a:r>
           </a:p>
@@ -8951,7 +8884,7 @@
               <a:buNone/>
             </a:pPr>
             <a:r>
-              <a:rPr lang="en-US" dirty="0" smtClean="0"/>
+              <a:rPr lang="en-US" dirty="0"/>
               <a:t>	e.g., !(x1 = red ^ x2 = red)</a:t>
             </a:r>
           </a:p>
@@ -8966,7 +8899,7 @@
               <a:buNone/>
             </a:pPr>
             <a:r>
-              <a:rPr lang="en-US" dirty="0" smtClean="0"/>
+              <a:rPr lang="en-US" dirty="0"/>
               <a:t>Usually stored as tuples (can be higher dimension)</a:t>
             </a:r>
           </a:p>
@@ -8976,13 +8909,8 @@
             </a:pPr>
             <a:r>
               <a:rPr lang="en-US" dirty="0"/>
-              <a:t>	</a:t>
-            </a:r>
-            <a:r>
-              <a:rPr lang="en-US" dirty="0" smtClean="0"/>
-              <a:t>e.g., {x1=red, x2=red}</a:t>
-            </a:r>
-            <a:endParaRPr lang="en-US" dirty="0"/>
+              <a:t>	e.g., {x1=red, x2=red}</a:t>
+            </a:r>
           </a:p>
         </p:txBody>
       </p:sp>
@@ -9020,13 +8948,6 @@
   <p:clrMapOvr>
     <a:masterClrMapping/>
   </p:clrMapOvr>
-  <p:timing>
-    <p:tnLst>
-      <p:par>
-        <p:cTn id="1" dur="indefinite" restart="never" nodeType="tmRoot"/>
-      </p:par>
-    </p:tnLst>
-  </p:timing>
 </p:sld>
 </file>
 
@@ -9073,7 +8994,7 @@
               <a:buNone/>
             </a:pPr>
             <a:r>
-              <a:rPr lang="en-US" sz="2400" b="1" dirty="0" smtClean="0"/>
+              <a:rPr lang="en-US" sz="2400" b="1" dirty="0"/>
               <a:t>Hyper-resolution</a:t>
             </a:r>
           </a:p>
@@ -9081,17 +9002,16 @@
             <a:pPr marL="36900" indent="0">
               <a:buNone/>
             </a:pPr>
-            <a:endParaRPr lang="en-US" dirty="0" smtClean="0"/>
+            <a:endParaRPr lang="en-US" dirty="0"/>
           </a:p>
           <a:p>
             <a:pPr marL="36900" indent="0">
               <a:buNone/>
             </a:pPr>
             <a:r>
-              <a:rPr lang="en-US" dirty="0" smtClean="0"/>
+              <a:rPr lang="en-US" dirty="0"/>
               <a:t>So, now we have a complete and sound algorithm, let’s see an example though.</a:t>
             </a:r>
-            <a:endParaRPr lang="en-US" dirty="0"/>
           </a:p>
         </p:txBody>
       </p:sp>
@@ -9129,13 +9049,6 @@
   <p:clrMapOvr>
     <a:masterClrMapping/>
   </p:clrMapOvr>
-  <p:timing>
-    <p:tnLst>
-      <p:par>
-        <p:cTn id="1" dur="indefinite" restart="never" nodeType="tmRoot"/>
-      </p:par>
-    </p:tnLst>
-  </p:timing>
 </p:sld>
 </file>
 
@@ -9180,7 +9093,7 @@
               <a:buNone/>
             </a:pPr>
             <a:r>
-              <a:rPr lang="en-US" sz="2400" b="1" dirty="0" smtClean="0"/>
+              <a:rPr lang="en-US" sz="2400" b="1" dirty="0"/>
               <a:t>Topics</a:t>
             </a:r>
           </a:p>
@@ -9192,7 +9105,7 @@
           </a:p>
           <a:p>
             <a:r>
-              <a:rPr lang="en-US" dirty="0" smtClean="0"/>
+              <a:rPr lang="en-US" dirty="0"/>
               <a:t>What is a Multi-Agent System (MAS)?</a:t>
             </a:r>
           </a:p>
@@ -9201,35 +9114,34 @@
           </a:p>
           <a:p>
             <a:r>
-              <a:rPr lang="en-US" dirty="0" smtClean="0"/>
+              <a:rPr lang="en-US" dirty="0"/>
               <a:t>Examples of MAS</a:t>
             </a:r>
           </a:p>
           <a:p>
-            <a:endParaRPr lang="en-US" dirty="0" smtClean="0"/>
-          </a:p>
-          <a:p>
-            <a:r>
-              <a:rPr lang="en-US" dirty="0" smtClean="0"/>
+            <a:endParaRPr lang="en-US" dirty="0"/>
+          </a:p>
+          <a:p>
+            <a:r>
+              <a:rPr lang="en-US" dirty="0"/>
               <a:t>Multi-agent CSP</a:t>
             </a:r>
+          </a:p>
+          <a:p>
             <a:endParaRPr lang="en-US" dirty="0"/>
           </a:p>
           <a:p>
+            <a:r>
+              <a:rPr lang="en-US" dirty="0"/>
+              <a:t>Contract-Net Protocol</a:t>
+            </a:r>
+          </a:p>
+          <a:p>
             <a:endParaRPr lang="en-US" dirty="0"/>
           </a:p>
           <a:p>
             <a:r>
-              <a:rPr lang="en-US" dirty="0" smtClean="0"/>
-              <a:t>Contract-Net Protocol</a:t>
-            </a:r>
-          </a:p>
-          <a:p>
-            <a:endParaRPr lang="en-US" dirty="0"/>
-          </a:p>
-          <a:p>
-            <a:r>
-              <a:rPr lang="en-US" dirty="0" smtClean="0"/>
+              <a:rPr lang="en-US" dirty="0"/>
               <a:t>Negotiation</a:t>
             </a:r>
           </a:p>
@@ -9286,13 +9198,6 @@
   <p:clrMapOvr>
     <a:masterClrMapping/>
   </p:clrMapOvr>
-  <p:timing>
-    <p:tnLst>
-      <p:par>
-        <p:cTn id="1" dur="indefinite" restart="never" nodeType="tmRoot"/>
-      </p:par>
-    </p:tnLst>
-  </p:timing>
 </p:sld>
 </file>
 
@@ -9339,7 +9244,7 @@
               <a:buNone/>
             </a:pPr>
             <a:r>
-              <a:rPr lang="en-US" sz="2400" b="1" dirty="0" smtClean="0"/>
+              <a:rPr lang="en-US" sz="2400" b="1" dirty="0"/>
               <a:t>Hyper-resolution: Example</a:t>
             </a:r>
           </a:p>
@@ -9347,14 +9252,14 @@
             <a:pPr marL="36900" indent="0">
               <a:buNone/>
             </a:pPr>
-            <a:endParaRPr lang="en-US" dirty="0" smtClean="0"/>
+            <a:endParaRPr lang="en-US" dirty="0"/>
           </a:p>
           <a:p>
             <a:pPr marL="36900" indent="0">
               <a:buNone/>
             </a:pPr>
             <a:r>
-              <a:rPr lang="en-US" dirty="0" smtClean="0"/>
+              <a:rPr lang="en-US" dirty="0"/>
               <a:t>X1:		{X1=red, X2=red}</a:t>
             </a:r>
           </a:p>
@@ -9364,11 +9269,7 @@
             </a:pPr>
             <a:r>
               <a:rPr lang="en-US" dirty="0"/>
-              <a:t>	</a:t>
-            </a:r>
-            <a:r>
-              <a:rPr lang="en-US" dirty="0" smtClean="0"/>
-              <a:t>	{X1=red, X3=red}</a:t>
+              <a:t>		{X1=red, X3=red}</a:t>
             </a:r>
           </a:p>
           <a:p>
@@ -9377,11 +9278,7 @@
             </a:pPr>
             <a:r>
               <a:rPr lang="en-US" dirty="0"/>
-              <a:t>	</a:t>
-            </a:r>
-            <a:r>
-              <a:rPr lang="en-US" dirty="0" smtClean="0"/>
-              <a:t>	{X1=blue, X2=blue}</a:t>
+              <a:t>		{X1=blue, X2=blue}</a:t>
             </a:r>
           </a:p>
           <a:p>
@@ -9390,11 +9287,7 @@
             </a:pPr>
             <a:r>
               <a:rPr lang="en-US" dirty="0"/>
-              <a:t>	</a:t>
-            </a:r>
-            <a:r>
-              <a:rPr lang="en-US" dirty="0" smtClean="0"/>
-              <a:t>	{X1=blue, X3=blue}</a:t>
+              <a:t>		{X1=blue, X3=blue}</a:t>
             </a:r>
           </a:p>
           <a:p>
@@ -9402,7 +9295,7 @@
               <a:buNone/>
             </a:pPr>
             <a:r>
-              <a:rPr lang="en-US" dirty="0" smtClean="0"/>
+              <a:rPr lang="en-US" dirty="0"/>
               <a:t>		{X1=red OR X1=blue}</a:t>
             </a:r>
           </a:p>
@@ -9417,7 +9310,7 @@
               <a:buNone/>
             </a:pPr>
             <a:r>
-              <a:rPr lang="en-US" dirty="0" smtClean="0"/>
+              <a:rPr lang="en-US" dirty="0"/>
               <a:t>X1 knows these at the beginning because these are the constraints involving X1</a:t>
             </a:r>
           </a:p>
@@ -9432,7 +9325,7 @@
               <a:buNone/>
             </a:pPr>
             <a:r>
-              <a:rPr lang="en-US" dirty="0" smtClean="0"/>
+              <a:rPr lang="en-US" dirty="0"/>
               <a:t>No communication needed to know this.</a:t>
             </a:r>
           </a:p>
@@ -9472,13 +9365,6 @@
   <p:clrMapOvr>
     <a:masterClrMapping/>
   </p:clrMapOvr>
-  <p:timing>
-    <p:tnLst>
-      <p:par>
-        <p:cTn id="1" dur="indefinite" restart="never" nodeType="tmRoot"/>
-      </p:par>
-    </p:tnLst>
-  </p:timing>
 </p:sld>
 </file>
 
@@ -9525,7 +9411,7 @@
               <a:buNone/>
             </a:pPr>
             <a:r>
-              <a:rPr lang="en-US" sz="2400" b="1" dirty="0" smtClean="0"/>
+              <a:rPr lang="en-US" sz="2400" b="1" dirty="0"/>
               <a:t>Hyper-resolution: Example</a:t>
             </a:r>
           </a:p>
@@ -9533,14 +9419,14 @@
             <a:pPr marL="36900" indent="0">
               <a:buNone/>
             </a:pPr>
-            <a:endParaRPr lang="en-US" dirty="0" smtClean="0"/>
+            <a:endParaRPr lang="en-US" dirty="0"/>
           </a:p>
           <a:p>
             <a:pPr marL="36900" indent="0">
               <a:buNone/>
             </a:pPr>
             <a:r>
-              <a:rPr lang="en-US" dirty="0" smtClean="0"/>
+              <a:rPr lang="en-US" dirty="0"/>
               <a:t>Using Hyper-resolution, we can reason that:</a:t>
             </a:r>
           </a:p>
@@ -9548,7 +9434,7 @@
             <a:pPr marL="36900" indent="0">
               <a:buNone/>
             </a:pPr>
-            <a:endParaRPr lang="en-US" dirty="0" smtClean="0"/>
+            <a:endParaRPr lang="en-US" dirty="0"/>
           </a:p>
           <a:p>
             <a:pPr marL="36900" indent="0">
@@ -9560,7 +9446,7 @@
             <a:pPr marL="36900" indent="0">
               <a:buNone/>
             </a:pPr>
-            <a:endParaRPr lang="en-US" dirty="0" smtClean="0"/>
+            <a:endParaRPr lang="en-US" dirty="0"/>
           </a:p>
           <a:p>
             <a:pPr marL="36900" indent="0">
@@ -9572,7 +9458,7 @@
             <a:pPr marL="36900" indent="0">
               <a:buNone/>
             </a:pPr>
-            <a:endParaRPr lang="en-US" dirty="0" smtClean="0"/>
+            <a:endParaRPr lang="en-US" dirty="0"/>
           </a:p>
           <a:p>
             <a:pPr marL="36900" indent="0">
@@ -9585,7 +9471,7 @@
               <a:buNone/>
             </a:pPr>
             <a:r>
-              <a:rPr lang="en-US" dirty="0" smtClean="0"/>
+              <a:rPr lang="en-US" dirty="0"/>
               <a:t>So, X1 has learned that it cannot be the case that X2 is red and X3 is blue (otherwise there will be no solution)</a:t>
             </a:r>
           </a:p>
@@ -9600,10 +9486,9 @@
               <a:buNone/>
             </a:pPr>
             <a:r>
-              <a:rPr lang="en-US" dirty="0" smtClean="0"/>
+              <a:rPr lang="en-US" dirty="0"/>
               <a:t>X1 needs to 1) generate more rules of this form and 2) send this new rules to its neighbors</a:t>
             </a:r>
-            <a:endParaRPr lang="en-US" dirty="0"/>
           </a:p>
         </p:txBody>
       </p:sp>
@@ -9665,13 +9550,6 @@
   <p:clrMapOvr>
     <a:masterClrMapping/>
   </p:clrMapOvr>
-  <p:timing>
-    <p:tnLst>
-      <p:par>
-        <p:cTn id="1" dur="indefinite" restart="never" nodeType="tmRoot"/>
-      </p:par>
-    </p:tnLst>
-  </p:timing>
 </p:sld>
 </file>
 
@@ -9718,7 +9596,7 @@
               <a:buNone/>
             </a:pPr>
             <a:r>
-              <a:rPr lang="en-US" sz="2400" b="1" dirty="0" smtClean="0"/>
+              <a:rPr lang="en-US" sz="2400" b="1" dirty="0"/>
               <a:t>Hyper-resolution: Example</a:t>
             </a:r>
           </a:p>
@@ -9726,14 +9604,14 @@
             <a:pPr marL="36900" indent="0">
               <a:buNone/>
             </a:pPr>
-            <a:endParaRPr lang="en-US" dirty="0" smtClean="0"/>
+            <a:endParaRPr lang="en-US" dirty="0"/>
           </a:p>
           <a:p>
             <a:pPr marL="36900" indent="0">
               <a:buNone/>
             </a:pPr>
             <a:r>
-              <a:rPr lang="en-US" dirty="0" smtClean="0"/>
+              <a:rPr lang="en-US" dirty="0"/>
               <a:t>X2 receives these rules (from previous slide) from X1 and can now reason:</a:t>
             </a:r>
           </a:p>
@@ -9741,7 +9619,7 @@
             <a:pPr marL="36900" indent="0">
               <a:buNone/>
             </a:pPr>
-            <a:endParaRPr lang="en-US" dirty="0" smtClean="0"/>
+            <a:endParaRPr lang="en-US" dirty="0"/>
           </a:p>
           <a:p>
             <a:pPr marL="36900" indent="0">
@@ -9753,7 +9631,7 @@
             <a:pPr marL="36900" indent="0">
               <a:buNone/>
             </a:pPr>
-            <a:endParaRPr lang="en-US" dirty="0" smtClean="0"/>
+            <a:endParaRPr lang="en-US" dirty="0"/>
           </a:p>
           <a:p>
             <a:pPr marL="36900" indent="0">
@@ -9765,7 +9643,7 @@
             <a:pPr marL="36900" indent="0">
               <a:buNone/>
             </a:pPr>
-            <a:endParaRPr lang="en-US" dirty="0" smtClean="0"/>
+            <a:endParaRPr lang="en-US" dirty="0"/>
           </a:p>
           <a:p>
             <a:pPr marL="36900" indent="0">
@@ -9778,11 +9656,11 @@
               <a:buNone/>
             </a:pPr>
             <a:r>
-              <a:rPr lang="en-US" dirty="0" err="1" smtClean="0"/>
+              <a:rPr lang="en-US" dirty="0" err="1"/>
               <a:t>Woah</a:t>
             </a:r>
             <a:r>
-              <a:rPr lang="en-US" dirty="0" smtClean="0"/>
+              <a:rPr lang="en-US" dirty="0"/>
               <a:t>! Now X2 can tell X3 to eliminate blue from its set of choices. Cool!</a:t>
             </a:r>
           </a:p>
@@ -9797,7 +9675,7 @@
               <a:buNone/>
             </a:pPr>
             <a:r>
-              <a:rPr lang="en-US" dirty="0" smtClean="0"/>
+              <a:rPr lang="en-US" dirty="0"/>
               <a:t>X3 updates its X3=blue OR X3 = red rule to just X3=red</a:t>
             </a:r>
           </a:p>
@@ -9861,13 +9739,6 @@
   <p:clrMapOvr>
     <a:masterClrMapping/>
   </p:clrMapOvr>
-  <p:timing>
-    <p:tnLst>
-      <p:par>
-        <p:cTn id="1" dur="indefinite" restart="never" nodeType="tmRoot"/>
-      </p:par>
-    </p:tnLst>
-  </p:timing>
 </p:sld>
 </file>
 
@@ -9904,10 +9775,9 @@
           <a:lstStyle/>
           <a:p>
             <a:r>
-              <a:rPr lang="en-US" dirty="0" smtClean="0"/>
+              <a:rPr lang="en-US" dirty="0"/>
               <a:t>Pros and Cons</a:t>
             </a:r>
-            <a:endParaRPr lang="en-US" dirty="0"/>
           </a:p>
         </p:txBody>
       </p:sp>
@@ -9935,7 +9805,7 @@
               <a:buNone/>
             </a:pPr>
             <a:r>
-              <a:rPr lang="en-US" dirty="0" smtClean="0"/>
+              <a:rPr lang="en-US" dirty="0"/>
               <a:t>FILTERING ALGORITHM</a:t>
             </a:r>
           </a:p>
@@ -9950,7 +9820,7 @@
               <a:buNone/>
             </a:pPr>
             <a:r>
-              <a:rPr lang="en-US" dirty="0" smtClean="0"/>
+              <a:rPr lang="en-US" dirty="0"/>
               <a:t>Pros:</a:t>
             </a:r>
           </a:p>
@@ -9959,7 +9829,7 @@
               <a:buNone/>
             </a:pPr>
             <a:r>
-              <a:rPr lang="en-US" dirty="0" smtClean="0"/>
+              <a:rPr lang="en-US" dirty="0"/>
               <a:t>Fast, efficient!</a:t>
             </a:r>
           </a:p>
@@ -9968,7 +9838,7 @@
               <a:buNone/>
             </a:pPr>
             <a:r>
-              <a:rPr lang="en-US" dirty="0" smtClean="0"/>
+              <a:rPr lang="en-US" dirty="0"/>
               <a:t>Sound (if answer found it is correct)</a:t>
             </a:r>
           </a:p>
@@ -9983,7 +9853,7 @@
               <a:buNone/>
             </a:pPr>
             <a:r>
-              <a:rPr lang="en-US" dirty="0" smtClean="0"/>
+              <a:rPr lang="en-US" dirty="0"/>
               <a:t>Cons:</a:t>
             </a:r>
           </a:p>
@@ -9992,10 +9862,9 @@
               <a:buNone/>
             </a:pPr>
             <a:r>
-              <a:rPr lang="en-US" dirty="0" smtClean="0"/>
+              <a:rPr lang="en-US" dirty="0"/>
               <a:t>Not complete</a:t>
             </a:r>
-            <a:endParaRPr lang="en-US" dirty="0"/>
           </a:p>
         </p:txBody>
       </p:sp>
@@ -10377,7 +10246,7 @@
               <a:buNone/>
             </a:pPr>
             <a:r>
-              <a:rPr lang="en-US" dirty="0" smtClean="0"/>
+              <a:rPr lang="en-US" dirty="0"/>
               <a:t>HYPER-RESOLUTION</a:t>
             </a:r>
           </a:p>
@@ -10386,7 +10255,7 @@
               <a:buFont typeface="Wingdings 2" charset="2"/>
               <a:buNone/>
             </a:pPr>
-            <a:endParaRPr lang="en-US" dirty="0" smtClean="0"/>
+            <a:endParaRPr lang="en-US" dirty="0"/>
           </a:p>
           <a:p>
             <a:pPr marL="36900" indent="0">
@@ -10394,7 +10263,7 @@
               <a:buNone/>
             </a:pPr>
             <a:r>
-              <a:rPr lang="en-US" dirty="0" smtClean="0"/>
+              <a:rPr lang="en-US" dirty="0"/>
               <a:t>Pros:</a:t>
             </a:r>
           </a:p>
@@ -10404,7 +10273,7 @@
               <a:buNone/>
             </a:pPr>
             <a:r>
-              <a:rPr lang="en-US" dirty="0" smtClean="0"/>
+              <a:rPr lang="en-US" dirty="0"/>
               <a:t>Complete and Sound</a:t>
             </a:r>
           </a:p>
@@ -10414,7 +10283,7 @@
               <a:buNone/>
             </a:pPr>
             <a:r>
-              <a:rPr lang="en-US" dirty="0" smtClean="0"/>
+              <a:rPr lang="en-US" dirty="0"/>
               <a:t>Easy to Implement</a:t>
             </a:r>
           </a:p>
@@ -10423,7 +10292,7 @@
               <a:buFont typeface="Wingdings 2" charset="2"/>
               <a:buNone/>
             </a:pPr>
-            <a:endParaRPr lang="en-US" dirty="0" smtClean="0"/>
+            <a:endParaRPr lang="en-US" dirty="0"/>
           </a:p>
           <a:p>
             <a:pPr marL="36900" indent="0">
@@ -10431,7 +10300,7 @@
               <a:buNone/>
             </a:pPr>
             <a:r>
-              <a:rPr lang="en-US" dirty="0" smtClean="0"/>
+              <a:rPr lang="en-US" dirty="0"/>
               <a:t>Cons:</a:t>
             </a:r>
           </a:p>
@@ -10441,10 +10310,9 @@
               <a:buNone/>
             </a:pPr>
             <a:r>
-              <a:rPr lang="en-US" dirty="0" smtClean="0"/>
+              <a:rPr lang="en-US" dirty="0"/>
               <a:t>Can be intractable</a:t>
             </a:r>
-            <a:endParaRPr lang="en-US" dirty="0"/>
           </a:p>
         </p:txBody>
       </p:sp>
@@ -10494,10 +10362,9 @@
           <a:lstStyle/>
           <a:p>
             <a:r>
-              <a:rPr lang="en-US" dirty="0" smtClean="0"/>
+              <a:rPr lang="en-US" dirty="0"/>
               <a:t>Contract-Net Protocol</a:t>
             </a:r>
-            <a:endParaRPr lang="en-US" dirty="0"/>
           </a:p>
         </p:txBody>
       </p:sp>
@@ -10530,13 +10397,6 @@
   <p:clrMapOvr>
     <a:masterClrMapping/>
   </p:clrMapOvr>
-  <p:timing>
-    <p:tnLst>
-      <p:par>
-        <p:cTn id="1" dur="indefinite" restart="never" nodeType="tmRoot"/>
-      </p:par>
-    </p:tnLst>
-  </p:timing>
 </p:sld>
 </file>
 
@@ -10581,7 +10441,7 @@
               <a:buNone/>
             </a:pPr>
             <a:r>
-              <a:rPr lang="en-US" sz="2400" b="1" dirty="0" smtClean="0"/>
+              <a:rPr lang="en-US" sz="2400" b="1" dirty="0"/>
               <a:t>CNP</a:t>
             </a:r>
           </a:p>
@@ -10593,28 +10453,28 @@
           </a:p>
           <a:p>
             <a:r>
-              <a:rPr lang="en-US" dirty="0" smtClean="0"/>
+              <a:rPr lang="en-US" dirty="0"/>
               <a:t>Basic Idea:</a:t>
             </a:r>
           </a:p>
           <a:p>
             <a:pPr lvl="1"/>
             <a:r>
-              <a:rPr lang="en-US" dirty="0" smtClean="0"/>
+              <a:rPr lang="en-US" dirty="0"/>
               <a:t>Several independent agents exist in a system</a:t>
             </a:r>
           </a:p>
           <a:p>
             <a:pPr lvl="1"/>
             <a:r>
-              <a:rPr lang="en-US" dirty="0" smtClean="0"/>
+              <a:rPr lang="en-US" dirty="0"/>
               <a:t>Want a protocol for communicating and distributing tasks throughout the system</a:t>
             </a:r>
           </a:p>
           <a:p>
             <a:pPr lvl="1"/>
             <a:r>
-              <a:rPr lang="en-US" dirty="0" smtClean="0"/>
+              <a:rPr lang="en-US" dirty="0"/>
               <a:t>Needs to be standardized so agent communication is understood by all parties</a:t>
             </a:r>
           </a:p>
@@ -10623,7 +10483,7 @@
             <a:endParaRPr lang="en-US" dirty="0"/>
           </a:p>
           <a:p>
-            <a:endParaRPr lang="en-US" dirty="0" smtClean="0"/>
+            <a:endParaRPr lang="en-US" dirty="0"/>
           </a:p>
         </p:txBody>
       </p:sp>
@@ -10678,13 +10538,6 @@
   <p:clrMapOvr>
     <a:masterClrMapping/>
   </p:clrMapOvr>
-  <p:timing>
-    <p:tnLst>
-      <p:par>
-        <p:cTn id="1" dur="indefinite" restart="never" nodeType="tmRoot"/>
-      </p:par>
-    </p:tnLst>
-  </p:timing>
 </p:sld>
 </file>
 
@@ -10731,7 +10584,7 @@
               <a:buNone/>
             </a:pPr>
             <a:r>
-              <a:rPr lang="en-US" sz="2400" b="1" dirty="0" smtClean="0"/>
+              <a:rPr lang="en-US" sz="2400" b="1" dirty="0"/>
               <a:t>Requirements</a:t>
             </a:r>
           </a:p>
@@ -10743,38 +10596,37 @@
           </a:p>
           <a:p>
             <a:r>
-              <a:rPr lang="en-US" dirty="0" smtClean="0"/>
+              <a:rPr lang="en-US" dirty="0"/>
               <a:t>Utility:</a:t>
             </a:r>
           </a:p>
           <a:p>
             <a:pPr lvl="1"/>
             <a:r>
-              <a:rPr lang="en-US" dirty="0" smtClean="0"/>
+              <a:rPr lang="en-US" dirty="0"/>
               <a:t>System must have concept of global &amp; local utility</a:t>
             </a:r>
           </a:p>
           <a:p>
             <a:pPr lvl="1"/>
             <a:r>
-              <a:rPr lang="en-US" dirty="0" smtClean="0"/>
+              <a:rPr lang="en-US" dirty="0"/>
               <a:t>Agents must be aware of this utility</a:t>
             </a:r>
+          </a:p>
+          <a:p>
             <a:endParaRPr lang="en-US" dirty="0"/>
           </a:p>
           <a:p>
-            <a:endParaRPr lang="en-US" dirty="0" smtClean="0"/>
-          </a:p>
-          <a:p>
-            <a:r>
-              <a:rPr lang="en-US" dirty="0" smtClean="0"/>
+            <a:r>
+              <a:rPr lang="en-US" dirty="0"/>
               <a:t>Sub-tasks:</a:t>
             </a:r>
           </a:p>
           <a:p>
             <a:pPr lvl="1"/>
             <a:r>
-              <a:rPr lang="en-US" dirty="0" smtClean="0"/>
+              <a:rPr lang="en-US" dirty="0"/>
               <a:t>System must support independent tasks requirements which can be broken down into sub-tasks</a:t>
             </a:r>
           </a:p>
@@ -10784,14 +10636,14 @@
           </a:p>
           <a:p>
             <a:r>
-              <a:rPr lang="en-US" dirty="0" smtClean="0"/>
+              <a:rPr lang="en-US" dirty="0"/>
               <a:t>Help</a:t>
             </a:r>
           </a:p>
           <a:p>
             <a:pPr lvl="1"/>
             <a:r>
-              <a:rPr lang="en-US" dirty="0" smtClean="0"/>
+              <a:rPr lang="en-US" dirty="0"/>
               <a:t>System must support agents asking for and receiving help (e.g., please do this task for me)</a:t>
             </a:r>
           </a:p>
@@ -10848,13 +10700,6 @@
   <p:clrMapOvr>
     <a:masterClrMapping/>
   </p:clrMapOvr>
-  <p:timing>
-    <p:tnLst>
-      <p:par>
-        <p:cTn id="1" dur="indefinite" restart="never" nodeType="tmRoot"/>
-      </p:par>
-    </p:tnLst>
-  </p:timing>
 </p:sld>
 </file>
 
@@ -10901,7 +10746,7 @@
               <a:buNone/>
             </a:pPr>
             <a:r>
-              <a:rPr lang="en-US" sz="2400" b="1" dirty="0" smtClean="0"/>
+              <a:rPr lang="en-US" sz="2400" b="1" dirty="0"/>
               <a:t>Contract Net Protocol (CNP)</a:t>
             </a:r>
           </a:p>
@@ -10913,7 +10758,7 @@
           </a:p>
           <a:p>
             <a:r>
-              <a:rPr lang="en-US" dirty="0" smtClean="0"/>
+              <a:rPr lang="en-US" dirty="0"/>
               <a:t>Multiple agents in a network, can communicate with one another.</a:t>
             </a:r>
           </a:p>
@@ -10922,7 +10767,7 @@
           </a:p>
           <a:p>
             <a:r>
-              <a:rPr lang="en-US" dirty="0" smtClean="0"/>
+              <a:rPr lang="en-US" dirty="0"/>
               <a:t>Each node has tasks (or even receives new tasks direct from environment)</a:t>
             </a:r>
           </a:p>
@@ -10931,31 +10776,31 @@
           </a:p>
           <a:p>
             <a:r>
-              <a:rPr lang="en-US" dirty="0" smtClean="0"/>
+              <a:rPr lang="en-US" dirty="0"/>
               <a:t>Node can either work on the task or contract that task out to another agent</a:t>
             </a:r>
           </a:p>
           <a:p>
             <a:pPr lvl="1"/>
             <a:r>
-              <a:rPr lang="en-US" dirty="0" smtClean="0"/>
+              <a:rPr lang="en-US" dirty="0"/>
               <a:t>Other agent needs to agree to do the task</a:t>
             </a:r>
           </a:p>
           <a:p>
             <a:pPr lvl="1"/>
-            <a:endParaRPr lang="en-US" dirty="0" smtClean="0"/>
-          </a:p>
-          <a:p>
-            <a:r>
-              <a:rPr lang="en-US" dirty="0" smtClean="0"/>
+            <a:endParaRPr lang="en-US" dirty="0"/>
+          </a:p>
+          <a:p>
+            <a:r>
+              <a:rPr lang="en-US" dirty="0"/>
               <a:t>Optional:</a:t>
             </a:r>
           </a:p>
           <a:p>
             <a:pPr lvl="1"/>
             <a:r>
-              <a:rPr lang="en-US" dirty="0" smtClean="0"/>
+              <a:rPr lang="en-US" dirty="0"/>
               <a:t>Agent needs to pay the contractor to do the work, etc.</a:t>
             </a:r>
           </a:p>
@@ -11012,13 +10857,6 @@
   <p:clrMapOvr>
     <a:masterClrMapping/>
   </p:clrMapOvr>
-  <p:timing>
-    <p:tnLst>
-      <p:par>
-        <p:cTn id="1" dur="indefinite" restart="never" nodeType="tmRoot"/>
-      </p:par>
-    </p:tnLst>
-  </p:timing>
 </p:sld>
 </file>
 
@@ -11065,7 +10903,7 @@
               <a:buNone/>
             </a:pPr>
             <a:r>
-              <a:rPr lang="en-US" sz="2400" b="1" dirty="0" smtClean="0"/>
+              <a:rPr lang="en-US" sz="2400" b="1" dirty="0"/>
               <a:t>Task Distribution</a:t>
             </a:r>
           </a:p>
@@ -11077,42 +10915,42 @@
           </a:p>
           <a:p>
             <a:r>
-              <a:rPr lang="en-US" dirty="0" smtClean="0"/>
+              <a:rPr lang="en-US" dirty="0"/>
               <a:t>Five Steps:</a:t>
             </a:r>
           </a:p>
           <a:p>
             <a:pPr lvl="1"/>
             <a:r>
-              <a:rPr lang="en-US" dirty="0" smtClean="0"/>
+              <a:rPr lang="en-US" dirty="0"/>
               <a:t>Recognition</a:t>
             </a:r>
           </a:p>
           <a:p>
             <a:pPr lvl="1"/>
             <a:r>
-              <a:rPr lang="en-US" dirty="0" smtClean="0"/>
+              <a:rPr lang="en-US" dirty="0"/>
               <a:t>Announcement</a:t>
             </a:r>
           </a:p>
           <a:p>
             <a:pPr lvl="1"/>
             <a:r>
-              <a:rPr lang="en-US" dirty="0" smtClean="0"/>
+              <a:rPr lang="en-US" dirty="0"/>
               <a:t>Bidding</a:t>
             </a:r>
           </a:p>
           <a:p>
             <a:pPr lvl="1"/>
             <a:r>
-              <a:rPr lang="en-US" dirty="0" smtClean="0"/>
+              <a:rPr lang="en-US" dirty="0"/>
               <a:t>Awarding</a:t>
             </a:r>
           </a:p>
           <a:p>
             <a:pPr lvl="1"/>
             <a:r>
-              <a:rPr lang="en-US" dirty="0" smtClean="0"/>
+              <a:rPr lang="en-US" dirty="0"/>
               <a:t>Expediting</a:t>
             </a:r>
           </a:p>
@@ -11169,13 +11007,6 @@
   <p:clrMapOvr>
     <a:masterClrMapping/>
   </p:clrMapOvr>
-  <p:timing>
-    <p:tnLst>
-      <p:par>
-        <p:cTn id="1" dur="indefinite" restart="never" nodeType="tmRoot"/>
-      </p:par>
-    </p:tnLst>
-  </p:timing>
 </p:sld>
 </file>
 
@@ -11222,7 +11053,7 @@
               <a:buNone/>
             </a:pPr>
             <a:r>
-              <a:rPr lang="en-US" sz="2400" b="1" dirty="0" smtClean="0"/>
+              <a:rPr lang="en-US" sz="2400" b="1" dirty="0"/>
               <a:t>Recognition</a:t>
             </a:r>
           </a:p>
@@ -11234,7 +11065,7 @@
           </a:p>
           <a:p>
             <a:r>
-              <a:rPr lang="en-US" dirty="0" smtClean="0"/>
+              <a:rPr lang="en-US" dirty="0"/>
               <a:t>An agent realizes it has a task ‘X’ that it needs help on.</a:t>
             </a:r>
           </a:p>
@@ -11243,7 +11074,7 @@
           </a:p>
           <a:p>
             <a:r>
-              <a:rPr lang="en-US" dirty="0" smtClean="0"/>
+              <a:rPr lang="en-US" dirty="0"/>
               <a:t>This task can come direct from environment…</a:t>
             </a:r>
           </a:p>
@@ -11252,7 +11083,7 @@
           </a:p>
           <a:p>
             <a:r>
-              <a:rPr lang="en-US" dirty="0" smtClean="0"/>
+              <a:rPr lang="en-US" dirty="0"/>
               <a:t>Or…can be a task that was just contracted to this agent.</a:t>
             </a:r>
           </a:p>
@@ -11261,28 +11092,28 @@
           </a:p>
           <a:p>
             <a:r>
-              <a:rPr lang="en-US" dirty="0" smtClean="0"/>
+              <a:rPr lang="en-US" dirty="0"/>
               <a:t>‘X’ could be a sub-task of a much larger task</a:t>
             </a:r>
           </a:p>
           <a:p>
             <a:pPr lvl="1"/>
             <a:r>
-              <a:rPr lang="en-US" dirty="0" smtClean="0"/>
+              <a:rPr lang="en-US" dirty="0"/>
               <a:t>Need to cook thanksgiving dinner</a:t>
             </a:r>
           </a:p>
           <a:p>
             <a:pPr lvl="2"/>
             <a:r>
-              <a:rPr lang="en-US" dirty="0" smtClean="0"/>
+              <a:rPr lang="en-US" dirty="0"/>
               <a:t>Sub-task: need to make potatoes, but I don’t know how</a:t>
             </a:r>
           </a:p>
           <a:p>
             <a:pPr lvl="2"/>
             <a:r>
-              <a:rPr lang="en-US" dirty="0" smtClean="0"/>
+              <a:rPr lang="en-US" dirty="0"/>
               <a:t>Only contract out this one part</a:t>
             </a:r>
           </a:p>
@@ -11339,13 +11170,6 @@
   <p:clrMapOvr>
     <a:masterClrMapping/>
   </p:clrMapOvr>
-  <p:timing>
-    <p:tnLst>
-      <p:par>
-        <p:cTn id="1" dur="indefinite" restart="never" nodeType="tmRoot"/>
-      </p:par>
-    </p:tnLst>
-  </p:timing>
 </p:sld>
 </file>
 
@@ -11382,10 +11206,9 @@
           <a:lstStyle/>
           <a:p>
             <a:r>
-              <a:rPr lang="en-US" dirty="0" smtClean="0"/>
+              <a:rPr lang="en-US" dirty="0"/>
               <a:t>What is MAS?</a:t>
             </a:r>
-            <a:endParaRPr lang="en-US" dirty="0"/>
           </a:p>
         </p:txBody>
       </p:sp>
@@ -11418,13 +11241,6 @@
   <p:clrMapOvr>
     <a:masterClrMapping/>
   </p:clrMapOvr>
-  <p:timing>
-    <p:tnLst>
-      <p:par>
-        <p:cTn id="1" dur="indefinite" restart="never" nodeType="tmRoot"/>
-      </p:par>
-    </p:tnLst>
-  </p:timing>
 </p:sld>
 </file>
 
@@ -11471,7 +11287,7 @@
               <a:buNone/>
             </a:pPr>
             <a:r>
-              <a:rPr lang="en-US" sz="2400" b="1" dirty="0" smtClean="0"/>
+              <a:rPr lang="en-US" sz="2400" b="1" dirty="0"/>
               <a:t>Announcement</a:t>
             </a:r>
           </a:p>
@@ -11483,7 +11299,7 @@
           </a:p>
           <a:p>
             <a:r>
-              <a:rPr lang="en-US" dirty="0" smtClean="0"/>
+              <a:rPr lang="en-US" dirty="0"/>
               <a:t>Agent sends out a call for bids.</a:t>
             </a:r>
           </a:p>
@@ -11492,14 +11308,14 @@
           </a:p>
           <a:p>
             <a:r>
-              <a:rPr lang="en-US" dirty="0" smtClean="0"/>
+              <a:rPr lang="en-US" dirty="0"/>
               <a:t>Let’s other agents know what task it needs accomplishing</a:t>
             </a:r>
           </a:p>
           <a:p>
             <a:pPr lvl="1"/>
             <a:r>
-              <a:rPr lang="en-US" dirty="0" smtClean="0"/>
+              <a:rPr lang="en-US" dirty="0"/>
               <a:t>Along with other parameters (payments, utility that will be gained, urgency, etc.)</a:t>
             </a:r>
           </a:p>
@@ -11509,14 +11325,14 @@
           </a:p>
           <a:p>
             <a:r>
-              <a:rPr lang="en-US" dirty="0" smtClean="0"/>
+              <a:rPr lang="en-US" dirty="0"/>
               <a:t>Usually has a time-limit</a:t>
             </a:r>
           </a:p>
           <a:p>
             <a:pPr lvl="1"/>
             <a:r>
-              <a:rPr lang="en-US" dirty="0" smtClean="0"/>
+              <a:rPr lang="en-US" dirty="0"/>
               <a:t>Task must be done by ‘t’ time</a:t>
             </a:r>
           </a:p>
@@ -11573,13 +11389,6 @@
   <p:clrMapOvr>
     <a:masterClrMapping/>
   </p:clrMapOvr>
-  <p:timing>
-    <p:tnLst>
-      <p:par>
-        <p:cTn id="1" dur="indefinite" restart="never" nodeType="tmRoot"/>
-      </p:par>
-    </p:tnLst>
-  </p:timing>
 </p:sld>
 </file>
 
@@ -11626,7 +11435,7 @@
               <a:buNone/>
             </a:pPr>
             <a:r>
-              <a:rPr lang="en-US" sz="2400" b="1" dirty="0" smtClean="0"/>
+              <a:rPr lang="en-US" sz="2400" b="1" dirty="0"/>
               <a:t>Bidding</a:t>
             </a:r>
           </a:p>
@@ -11638,7 +11447,7 @@
           </a:p>
           <a:p>
             <a:r>
-              <a:rPr lang="en-US" dirty="0" smtClean="0"/>
+              <a:rPr lang="en-US" dirty="0"/>
               <a:t>Other agents that are interested in the contract send in a bid to the original agent</a:t>
             </a:r>
           </a:p>
@@ -11647,28 +11456,28 @@
           </a:p>
           <a:p>
             <a:r>
-              <a:rPr lang="en-US" dirty="0" smtClean="0"/>
+              <a:rPr lang="en-US" dirty="0"/>
               <a:t>Usually contains pertinent info:</a:t>
             </a:r>
           </a:p>
           <a:p>
             <a:pPr lvl="1"/>
             <a:r>
-              <a:rPr lang="en-US" dirty="0" smtClean="0"/>
+              <a:rPr lang="en-US" dirty="0"/>
               <a:t>When that agent can finish by</a:t>
             </a:r>
           </a:p>
           <a:p>
             <a:pPr lvl="1"/>
             <a:r>
-              <a:rPr lang="en-US" dirty="0" smtClean="0"/>
+              <a:rPr lang="en-US" dirty="0"/>
               <a:t>Perhaps a lower price they are willing to work for</a:t>
             </a:r>
           </a:p>
           <a:p>
             <a:pPr lvl="1"/>
             <a:r>
-              <a:rPr lang="en-US" dirty="0" smtClean="0"/>
+              <a:rPr lang="en-US" dirty="0"/>
               <a:t>How much local utility they will lose in the process</a:t>
             </a:r>
           </a:p>
@@ -11676,7 +11485,7 @@
             <a:endParaRPr lang="en-US" dirty="0"/>
           </a:p>
           <a:p>
-            <a:endParaRPr lang="en-US" dirty="0" smtClean="0"/>
+            <a:endParaRPr lang="en-US" dirty="0"/>
           </a:p>
         </p:txBody>
       </p:sp>
@@ -11731,13 +11540,6 @@
   <p:clrMapOvr>
     <a:masterClrMapping/>
   </p:clrMapOvr>
-  <p:timing>
-    <p:tnLst>
-      <p:par>
-        <p:cTn id="1" dur="indefinite" restart="never" nodeType="tmRoot"/>
-      </p:par>
-    </p:tnLst>
-  </p:timing>
 </p:sld>
 </file>
 
@@ -11784,7 +11586,7 @@
               <a:buNone/>
             </a:pPr>
             <a:r>
-              <a:rPr lang="en-US" sz="2400" b="1" dirty="0" smtClean="0"/>
+              <a:rPr lang="en-US" sz="2400" b="1" dirty="0"/>
               <a:t>Awarding</a:t>
             </a:r>
           </a:p>
@@ -11796,14 +11598,14 @@
           </a:p>
           <a:p>
             <a:r>
-              <a:rPr lang="en-US" dirty="0" smtClean="0"/>
+              <a:rPr lang="en-US" dirty="0"/>
               <a:t>Original agent awards the contract to one bidder. Let’s that bidder know.</a:t>
             </a:r>
           </a:p>
           <a:p>
             <a:pPr lvl="1"/>
             <a:r>
-              <a:rPr lang="en-US" dirty="0" smtClean="0"/>
+              <a:rPr lang="en-US" dirty="0"/>
               <a:t>Usually there is some penalty if the contractor ends up not fulfilling the promise.</a:t>
             </a:r>
           </a:p>
@@ -11813,7 +11615,7 @@
           </a:p>
           <a:p>
             <a:r>
-              <a:rPr lang="en-US" dirty="0" smtClean="0"/>
+              <a:rPr lang="en-US" dirty="0"/>
               <a:t>Original agent now free to wait for contractor to do the work.</a:t>
             </a:r>
           </a:p>
@@ -11821,7 +11623,7 @@
             <a:endParaRPr lang="en-US" dirty="0"/>
           </a:p>
           <a:p>
-            <a:endParaRPr lang="en-US" dirty="0" smtClean="0"/>
+            <a:endParaRPr lang="en-US" dirty="0"/>
           </a:p>
         </p:txBody>
       </p:sp>
@@ -11876,13 +11678,6 @@
   <p:clrMapOvr>
     <a:masterClrMapping/>
   </p:clrMapOvr>
-  <p:timing>
-    <p:tnLst>
-      <p:par>
-        <p:cTn id="1" dur="indefinite" restart="never" nodeType="tmRoot"/>
-      </p:par>
-    </p:tnLst>
-  </p:timing>
 </p:sld>
 </file>
 
@@ -11929,7 +11724,7 @@
               <a:buNone/>
             </a:pPr>
             <a:r>
-              <a:rPr lang="en-US" sz="2400" b="1" dirty="0" smtClean="0"/>
+              <a:rPr lang="en-US" sz="2400" b="1" dirty="0"/>
               <a:t>Expediting</a:t>
             </a:r>
           </a:p>
@@ -11941,10 +11736,9 @@
           </a:p>
           <a:p>
             <a:r>
-              <a:rPr lang="en-US" dirty="0" smtClean="0"/>
+              <a:rPr lang="en-US" dirty="0"/>
               <a:t>New agent may choose to sub-contract the task to yet another agent. This is fine, the process simply begins again.</a:t>
             </a:r>
-            <a:endParaRPr lang="en-US" dirty="0"/>
           </a:p>
         </p:txBody>
       </p:sp>
@@ -11999,13 +11793,6 @@
   <p:clrMapOvr>
     <a:masterClrMapping/>
   </p:clrMapOvr>
-  <p:timing>
-    <p:tnLst>
-      <p:par>
-        <p:cTn id="1" dur="indefinite" restart="never" nodeType="tmRoot"/>
-      </p:par>
-    </p:tnLst>
-  </p:timing>
 </p:sld>
 </file>
 
@@ -12052,7 +11839,7 @@
               <a:buNone/>
             </a:pPr>
             <a:r>
-              <a:rPr lang="en-US" sz="2400" b="1" dirty="0" smtClean="0"/>
+              <a:rPr lang="en-US" sz="2400" b="1" dirty="0"/>
               <a:t>Example: Smart-Home</a:t>
             </a:r>
           </a:p>
@@ -12064,17 +11851,17 @@
           </a:p>
           <a:p>
             <a:r>
-              <a:rPr lang="en-US" dirty="0" smtClean="0"/>
+              <a:rPr lang="en-US" dirty="0"/>
               <a:t>Suppose the Laundry agent has the task:</a:t>
             </a:r>
           </a:p>
           <a:p>
             <a:pPr lvl="1"/>
             <a:r>
-              <a:rPr lang="en-US" i="1" dirty="0" err="1" smtClean="0"/>
+              <a:rPr lang="en-US" i="1" dirty="0" err="1"/>
               <a:t>Do_Laundry</a:t>
             </a:r>
-            <a:endParaRPr lang="en-US" i="1" dirty="0" smtClean="0"/>
+            <a:endParaRPr lang="en-US" i="1" dirty="0"/>
           </a:p>
           <a:p>
             <a:pPr lvl="1"/>
@@ -12082,41 +11869,41 @@
           </a:p>
           <a:p>
             <a:r>
-              <a:rPr lang="en-US" dirty="0" smtClean="0"/>
+              <a:rPr lang="en-US" dirty="0"/>
               <a:t>This tasks has several sub-tasks</a:t>
             </a:r>
           </a:p>
           <a:p>
             <a:pPr lvl="1"/>
             <a:r>
-              <a:rPr lang="en-US" i="1" dirty="0" err="1" smtClean="0"/>
+              <a:rPr lang="en-US" i="1" dirty="0" err="1"/>
               <a:t>Collect_Laundry</a:t>
             </a:r>
-            <a:endParaRPr lang="en-US" i="1" dirty="0" smtClean="0"/>
+            <a:endParaRPr lang="en-US" i="1" dirty="0"/>
           </a:p>
           <a:p>
             <a:pPr lvl="1"/>
             <a:r>
-              <a:rPr lang="en-US" i="1" dirty="0" err="1" smtClean="0"/>
+              <a:rPr lang="en-US" i="1" dirty="0" err="1"/>
               <a:t>Wash_Cycle</a:t>
             </a:r>
-            <a:endParaRPr lang="en-US" i="1" dirty="0" smtClean="0"/>
+            <a:endParaRPr lang="en-US" i="1" dirty="0"/>
           </a:p>
           <a:p>
             <a:pPr lvl="1"/>
             <a:r>
-              <a:rPr lang="en-US" i="1" dirty="0" err="1" smtClean="0"/>
+              <a:rPr lang="en-US" i="1" dirty="0" err="1"/>
               <a:t>Dry_Cycle</a:t>
             </a:r>
-            <a:endParaRPr lang="en-US" i="1" dirty="0" smtClean="0"/>
+            <a:endParaRPr lang="en-US" i="1" dirty="0"/>
           </a:p>
           <a:p>
             <a:pPr lvl="1"/>
             <a:r>
-              <a:rPr lang="en-US" i="1" dirty="0" err="1" smtClean="0"/>
+              <a:rPr lang="en-US" i="1" dirty="0" err="1"/>
               <a:t>Alert_Done</a:t>
             </a:r>
-            <a:endParaRPr lang="en-US" i="1" dirty="0" smtClean="0"/>
+            <a:endParaRPr lang="en-US" i="1" dirty="0"/>
           </a:p>
           <a:p>
             <a:pPr lvl="1"/>
@@ -12124,13 +11911,13 @@
           </a:p>
           <a:p>
             <a:r>
-              <a:rPr lang="en-US" dirty="0" smtClean="0"/>
+              <a:rPr lang="en-US" dirty="0"/>
               <a:t>Laundry machine can’t do the first one, needs help!</a:t>
             </a:r>
           </a:p>
           <a:p>
             <a:pPr lvl="1"/>
-            <a:endParaRPr lang="en-US" i="1" dirty="0" smtClean="0"/>
+            <a:endParaRPr lang="en-US" i="1" dirty="0"/>
           </a:p>
         </p:txBody>
       </p:sp>
@@ -12185,13 +11972,6 @@
   <p:clrMapOvr>
     <a:masterClrMapping/>
   </p:clrMapOvr>
-  <p:timing>
-    <p:tnLst>
-      <p:par>
-        <p:cTn id="1" dur="indefinite" restart="never" nodeType="tmRoot"/>
-      </p:par>
-    </p:tnLst>
-  </p:timing>
 </p:sld>
 </file>
 
@@ -12238,7 +12018,7 @@
               <a:buNone/>
             </a:pPr>
             <a:r>
-              <a:rPr lang="en-US" sz="2400" b="1" dirty="0" smtClean="0"/>
+              <a:rPr lang="en-US" sz="2400" b="1" dirty="0"/>
               <a:t>Announcement</a:t>
             </a:r>
           </a:p>
@@ -12250,7 +12030,7 @@
           </a:p>
           <a:p>
             <a:r>
-              <a:rPr lang="en-US" dirty="0" smtClean="0"/>
+              <a:rPr lang="en-US" dirty="0"/>
               <a:t>Laundry let’s other agents know about this task.</a:t>
             </a:r>
           </a:p>
@@ -12259,14 +12039,14 @@
           </a:p>
           <a:p>
             <a:r>
-              <a:rPr lang="en-US" dirty="0" smtClean="0"/>
+              <a:rPr lang="en-US" dirty="0"/>
               <a:t>Important Meta-Information?</a:t>
             </a:r>
           </a:p>
           <a:p>
             <a:pPr lvl="1"/>
             <a:r>
-              <a:rPr lang="en-US" dirty="0" smtClean="0"/>
+              <a:rPr lang="en-US" dirty="0"/>
               <a:t>What do you think?</a:t>
             </a:r>
           </a:p>
@@ -12275,7 +12055,7 @@
             <a:endParaRPr lang="en-US" dirty="0"/>
           </a:p>
           <a:p>
-            <a:endParaRPr lang="en-US" dirty="0" smtClean="0"/>
+            <a:endParaRPr lang="en-US" dirty="0"/>
           </a:p>
         </p:txBody>
       </p:sp>
@@ -12330,13 +12110,6 @@
   <p:clrMapOvr>
     <a:masterClrMapping/>
   </p:clrMapOvr>
-  <p:timing>
-    <p:tnLst>
-      <p:par>
-        <p:cTn id="1" dur="indefinite" restart="never" nodeType="tmRoot"/>
-      </p:par>
-    </p:tnLst>
-  </p:timing>
 </p:sld>
 </file>
 
@@ -12383,7 +12156,7 @@
               <a:buNone/>
             </a:pPr>
             <a:r>
-              <a:rPr lang="en-US" sz="2400" b="1" dirty="0" smtClean="0"/>
+              <a:rPr lang="en-US" sz="2400" b="1" dirty="0"/>
               <a:t>Bidding</a:t>
             </a:r>
           </a:p>
@@ -12395,7 +12168,7 @@
           </a:p>
           <a:p>
             <a:r>
-              <a:rPr lang="en-US" dirty="0" smtClean="0"/>
+              <a:rPr lang="en-US" dirty="0"/>
               <a:t>Other agents, capable of performing the task, bid on it.</a:t>
             </a:r>
           </a:p>
@@ -12404,17 +12177,16 @@
           </a:p>
           <a:p>
             <a:r>
-              <a:rPr lang="en-US" dirty="0" smtClean="0"/>
+              <a:rPr lang="en-US" dirty="0"/>
               <a:t>What info might they send to the laundry machine agent?</a:t>
             </a:r>
+          </a:p>
+          <a:p>
             <a:endParaRPr lang="en-US" dirty="0"/>
           </a:p>
           <a:p>
-            <a:endParaRPr lang="en-US" dirty="0" smtClean="0"/>
-          </a:p>
-          <a:p>
-            <a:r>
-              <a:rPr lang="en-US" dirty="0" smtClean="0"/>
+            <a:r>
+              <a:rPr lang="en-US" dirty="0"/>
               <a:t>What else might influence the decision to bid?</a:t>
             </a:r>
           </a:p>
@@ -12471,13 +12243,6 @@
   <p:clrMapOvr>
     <a:masterClrMapping/>
   </p:clrMapOvr>
-  <p:timing>
-    <p:tnLst>
-      <p:par>
-        <p:cTn id="1" dur="indefinite" restart="never" nodeType="tmRoot"/>
-      </p:par>
-    </p:tnLst>
-  </p:timing>
 </p:sld>
 </file>
 
@@ -12524,7 +12289,7 @@
               <a:buNone/>
             </a:pPr>
             <a:r>
-              <a:rPr lang="en-US" sz="2400" b="1" dirty="0" smtClean="0"/>
+              <a:rPr lang="en-US" sz="2400" b="1" dirty="0"/>
               <a:t>Awarding</a:t>
             </a:r>
           </a:p>
@@ -12536,7 +12301,7 @@
           </a:p>
           <a:p>
             <a:r>
-              <a:rPr lang="en-US" dirty="0" smtClean="0"/>
+              <a:rPr lang="en-US" dirty="0"/>
               <a:t>Laundry chooses an agent to award the task to. </a:t>
             </a:r>
           </a:p>
@@ -12593,13 +12358,6 @@
   <p:clrMapOvr>
     <a:masterClrMapping/>
   </p:clrMapOvr>
-  <p:timing>
-    <p:tnLst>
-      <p:par>
-        <p:cTn id="1" dur="indefinite" restart="never" nodeType="tmRoot"/>
-      </p:par>
-    </p:tnLst>
-  </p:timing>
 </p:sld>
 </file>
 
@@ -12646,7 +12404,7 @@
               <a:buNone/>
             </a:pPr>
             <a:r>
-              <a:rPr lang="en-US" sz="2400" b="1" dirty="0" smtClean="0"/>
+              <a:rPr lang="en-US" sz="2400" b="1" dirty="0"/>
               <a:t>Expediting</a:t>
             </a:r>
           </a:p>
@@ -12658,7 +12416,7 @@
           </a:p>
           <a:p>
             <a:r>
-              <a:rPr lang="en-US" dirty="0" smtClean="0"/>
+              <a:rPr lang="en-US" dirty="0"/>
               <a:t>Robot might choose to sub-contract the task. Why might the robot do this?</a:t>
             </a:r>
           </a:p>
@@ -12667,7 +12425,7 @@
           </a:p>
           <a:p>
             <a:r>
-              <a:rPr lang="en-US" dirty="0" smtClean="0"/>
+              <a:rPr lang="en-US" dirty="0"/>
               <a:t>Thoughts?</a:t>
             </a:r>
           </a:p>
@@ -12724,13 +12482,6 @@
   <p:clrMapOvr>
     <a:masterClrMapping/>
   </p:clrMapOvr>
-  <p:timing>
-    <p:tnLst>
-      <p:par>
-        <p:cTn id="1" dur="indefinite" restart="never" nodeType="tmRoot"/>
-      </p:par>
-    </p:tnLst>
-  </p:timing>
 </p:sld>
 </file>
 
@@ -12777,7 +12528,7 @@
               <a:buNone/>
             </a:pPr>
             <a:r>
-              <a:rPr lang="en-US" sz="2400" b="1" dirty="0" smtClean="0"/>
+              <a:rPr lang="en-US" sz="2400" b="1" dirty="0"/>
               <a:t>Is This “Intelligence”</a:t>
             </a:r>
           </a:p>
@@ -12789,77 +12540,77 @@
           </a:p>
           <a:p>
             <a:r>
-              <a:rPr lang="en-US" dirty="0" smtClean="0"/>
+              <a:rPr lang="en-US" dirty="0"/>
               <a:t>You decide, but…think about my thanksgiving at my house:</a:t>
             </a:r>
           </a:p>
           <a:p>
             <a:pPr lvl="1"/>
             <a:r>
-              <a:rPr lang="en-US" dirty="0" smtClean="0"/>
+              <a:rPr lang="en-US" dirty="0"/>
               <a:t>Agents: Me and my family</a:t>
             </a:r>
           </a:p>
           <a:p>
             <a:pPr lvl="1"/>
             <a:r>
-              <a:rPr lang="en-US" dirty="0" smtClean="0"/>
+              <a:rPr lang="en-US" dirty="0"/>
               <a:t>Local Utility: Everyone has something they prefer doing</a:t>
             </a:r>
           </a:p>
           <a:p>
             <a:pPr lvl="2"/>
             <a:r>
-              <a:rPr lang="en-US" dirty="0" smtClean="0"/>
+              <a:rPr lang="en-US" dirty="0"/>
               <a:t>My dad wants to watch football</a:t>
             </a:r>
           </a:p>
           <a:p>
             <a:pPr lvl="2"/>
             <a:r>
-              <a:rPr lang="en-US" dirty="0" smtClean="0"/>
+              <a:rPr lang="en-US" dirty="0"/>
               <a:t>My mom wants to not cook and chat</a:t>
             </a:r>
           </a:p>
           <a:p>
             <a:pPr lvl="2"/>
             <a:r>
-              <a:rPr lang="en-US" dirty="0" smtClean="0"/>
+              <a:rPr lang="en-US" dirty="0"/>
               <a:t>My mother-in-law wants to eat</a:t>
             </a:r>
           </a:p>
           <a:p>
             <a:pPr lvl="1"/>
             <a:r>
-              <a:rPr lang="en-US" dirty="0" smtClean="0"/>
+              <a:rPr lang="en-US" dirty="0"/>
               <a:t>Global Utility:</a:t>
             </a:r>
           </a:p>
           <a:p>
             <a:pPr lvl="2"/>
             <a:r>
-              <a:rPr lang="en-US" dirty="0" smtClean="0"/>
+              <a:rPr lang="en-US" dirty="0"/>
               <a:t>Everyone wants a big delicious meal, for no fights to occur etc.</a:t>
             </a:r>
           </a:p>
           <a:p>
             <a:pPr lvl="1"/>
             <a:r>
-              <a:rPr lang="en-US" dirty="0" smtClean="0"/>
+              <a:rPr lang="en-US" dirty="0"/>
               <a:t>Contracts:</a:t>
             </a:r>
           </a:p>
           <a:p>
             <a:pPr lvl="2"/>
             <a:r>
-              <a:rPr lang="en-US" dirty="0" smtClean="0"/>
+              <a:rPr lang="en-US" dirty="0"/>
               <a:t>Hey Mom, I need help with the potatoes</a:t>
             </a:r>
           </a:p>
           <a:p>
             <a:pPr lvl="2"/>
             <a:r>
-              <a:rPr lang="en-US" dirty="0" smtClean="0"/>
+              <a:rPr lang="en-US" dirty="0"/>
               <a:t>Mom chooses to give up local utility to increase global utility</a:t>
             </a:r>
           </a:p>
@@ -12916,13 +12667,6 @@
   <p:clrMapOvr>
     <a:masterClrMapping/>
   </p:clrMapOvr>
-  <p:timing>
-    <p:tnLst>
-      <p:par>
-        <p:cTn id="1" dur="indefinite" restart="never" nodeType="tmRoot"/>
-      </p:par>
-    </p:tnLst>
-  </p:timing>
 </p:sld>
 </file>
 
@@ -12967,7 +12711,7 @@
               <a:buNone/>
             </a:pPr>
             <a:r>
-              <a:rPr lang="en-US" sz="2400" b="1" dirty="0" smtClean="0"/>
+              <a:rPr lang="en-US" sz="2400" b="1" dirty="0"/>
               <a:t>Multiple-Agents</a:t>
             </a:r>
           </a:p>
@@ -12975,35 +12719,34 @@
             <a:pPr marL="36900" indent="0">
               <a:buNone/>
             </a:pPr>
-            <a:endParaRPr lang="en-US" dirty="0" smtClean="0"/>
+            <a:endParaRPr lang="en-US" dirty="0"/>
           </a:p>
           <a:p>
             <a:pPr marL="36900" indent="0">
               <a:buNone/>
             </a:pPr>
             <a:r>
-              <a:rPr lang="en-US" dirty="0" smtClean="0"/>
+              <a:rPr lang="en-US" dirty="0"/>
               <a:t>A </a:t>
             </a:r>
             <a:r>
-              <a:rPr lang="en-US" b="1" u="sng" dirty="0" smtClean="0"/>
+              <a:rPr lang="en-US" b="1" u="sng" dirty="0"/>
               <a:t>multi-agent system</a:t>
             </a:r>
             <a:r>
-              <a:rPr lang="en-US" dirty="0" smtClean="0"/>
+              <a:rPr lang="en-US" dirty="0"/>
               <a:t>, in general, is any system that involves multiple agents interacting autonomously.</a:t>
             </a:r>
+          </a:p>
+          <a:p>
             <a:endParaRPr lang="en-US" dirty="0"/>
           </a:p>
           <a:p>
-            <a:endParaRPr lang="en-US" dirty="0" smtClean="0"/>
-          </a:p>
-          <a:p>
             <a:pPr marL="36900" indent="0">
               <a:buNone/>
             </a:pPr>
             <a:r>
-              <a:rPr lang="en-US" b="1" u="sng" dirty="0" smtClean="0"/>
+              <a:rPr lang="en-US" b="1" u="sng" dirty="0"/>
               <a:t>Some properties:</a:t>
             </a:r>
           </a:p>
@@ -13012,15 +12755,15 @@
               <a:buNone/>
             </a:pPr>
             <a:r>
-              <a:rPr lang="en-US" dirty="0" smtClean="0"/>
+              <a:rPr lang="en-US" dirty="0"/>
               <a:t>The agents act </a:t>
             </a:r>
             <a:r>
-              <a:rPr lang="en-US" b="1" u="sng" dirty="0" smtClean="0"/>
+              <a:rPr lang="en-US" b="1" u="sng" dirty="0"/>
               <a:t>autonomously</a:t>
             </a:r>
             <a:r>
-              <a:rPr lang="en-US" dirty="0" smtClean="0"/>
+              <a:rPr lang="en-US" dirty="0"/>
               <a:t>, each with own info about the world and other agents	</a:t>
             </a:r>
           </a:p>
@@ -13035,7 +12778,7 @@
               <a:buNone/>
             </a:pPr>
             <a:r>
-              <a:rPr lang="en-US" dirty="0" smtClean="0"/>
+              <a:rPr lang="en-US" dirty="0"/>
               <a:t>Outcome depends on the actions of all agents</a:t>
             </a:r>
           </a:p>
@@ -13043,14 +12786,14 @@
             <a:pPr marL="36900" indent="0">
               <a:buNone/>
             </a:pPr>
-            <a:endParaRPr lang="en-US" dirty="0" smtClean="0"/>
+            <a:endParaRPr lang="en-US" dirty="0"/>
           </a:p>
           <a:p>
             <a:pPr marL="36900" indent="0">
               <a:buNone/>
             </a:pPr>
             <a:r>
-              <a:rPr lang="en-US" dirty="0" smtClean="0"/>
+              <a:rPr lang="en-US" dirty="0"/>
               <a:t>Each agent can have its own utility</a:t>
             </a:r>
           </a:p>
@@ -13107,13 +12850,6 @@
   <p:clrMapOvr>
     <a:masterClrMapping/>
   </p:clrMapOvr>
-  <p:timing>
-    <p:tnLst>
-      <p:par>
-        <p:cTn id="1" dur="indefinite" restart="never" nodeType="tmRoot"/>
-      </p:par>
-    </p:tnLst>
-  </p:timing>
 </p:sld>
 </file>
 
@@ -13150,10 +12886,9 @@
           <a:lstStyle/>
           <a:p>
             <a:r>
-              <a:rPr lang="en-US" dirty="0" smtClean="0"/>
+              <a:rPr lang="en-US" dirty="0"/>
               <a:t>Negotiation</a:t>
             </a:r>
-            <a:endParaRPr lang="en-US" dirty="0"/>
           </a:p>
         </p:txBody>
       </p:sp>
@@ -13186,13 +12921,6 @@
   <p:clrMapOvr>
     <a:masterClrMapping/>
   </p:clrMapOvr>
-  <p:timing>
-    <p:tnLst>
-      <p:par>
-        <p:cTn id="1" dur="indefinite" restart="never" nodeType="tmRoot"/>
-      </p:par>
-    </p:tnLst>
-  </p:timing>
 </p:sld>
 </file>
 
@@ -13308,13 +13036,8 @@
               <a:pPr algn="ctr"/>
               <a:r>
                 <a:rPr lang="en-US" altLang="en-US" sz="1600" b="1" dirty="0"/>
-                <a:t>$</a:t>
+                <a:t>$100</a:t>
               </a:r>
-              <a:r>
-                <a:rPr lang="en-US" altLang="en-US" sz="1600" b="1" dirty="0" smtClean="0"/>
-                <a:t>100</a:t>
-              </a:r>
-              <a:endParaRPr lang="en-US" altLang="en-US" sz="1600" b="1" dirty="0"/>
             </a:p>
           </p:txBody>
         </p:sp>
@@ -14079,13 +13802,6 @@
   <p:clrMapOvr>
     <a:masterClrMapping/>
   </p:clrMapOvr>
-  <p:timing>
-    <p:tnLst>
-      <p:par>
-        <p:cTn id="1" dur="indefinite" restart="never" nodeType="tmRoot"/>
-      </p:par>
-    </p:tnLst>
-  </p:timing>
 </p:sld>
 </file>
 
@@ -14177,13 +13893,8 @@
             <a:pPr lvl="1"/>
             <a:r>
               <a:rPr lang="en-US" altLang="en-US" dirty="0"/>
-              <a:t>b</a:t>
-            </a:r>
-            <a:r>
-              <a:rPr lang="en-US" altLang="en-US" dirty="0" smtClean="0"/>
-              <a:t>argaining		//HW 4 uses this one</a:t>
-            </a:r>
-            <a:endParaRPr lang="en-US" altLang="en-US" dirty="0"/>
+              <a:t>bargaining		//HW 4 uses this one</a:t>
+            </a:r>
           </a:p>
           <a:p>
             <a:pPr lvl="1"/>
@@ -14197,7 +13908,7 @@
               <a:buFontTx/>
               <a:buNone/>
             </a:pPr>
-            <a:endParaRPr lang="en-US" altLang="en-US" b="1" dirty="0" smtClean="0"/>
+            <a:endParaRPr lang="en-US" altLang="en-US" b="1" dirty="0"/>
           </a:p>
           <a:p>
             <a:pPr>
@@ -14205,59 +13916,30 @@
               <a:buNone/>
             </a:pPr>
             <a:r>
-              <a:rPr lang="en-US" altLang="en-US" b="1" dirty="0" smtClean="0"/>
-              <a:t>Negotiated </a:t>
-            </a:r>
-            <a:r>
               <a:rPr lang="en-US" altLang="en-US" b="1" dirty="0"/>
-              <a:t>Items:</a:t>
+              <a:t>Negotiated Items:</a:t>
             </a:r>
           </a:p>
           <a:p>
             <a:pPr lvl="1"/>
             <a:r>
               <a:rPr lang="en-US" altLang="en-US" dirty="0"/>
-              <a:t>single attribute (e.g</a:t>
-            </a:r>
-            <a:r>
-              <a:rPr lang="en-US" altLang="en-US" dirty="0" smtClean="0"/>
-              <a:t>., </a:t>
-            </a:r>
+              <a:t>single attribute (e.g., price)</a:t>
+            </a:r>
+          </a:p>
+          <a:p>
+            <a:pPr lvl="1"/>
             <a:r>
               <a:rPr lang="en-US" altLang="en-US" dirty="0"/>
-              <a:t>price)</a:t>
+              <a:t>multiple attribute (e.g., price and quality)</a:t>
             </a:r>
           </a:p>
           <a:p>
             <a:pPr lvl="1"/>
             <a:r>
               <a:rPr lang="en-US" altLang="en-US" dirty="0"/>
-              <a:t>multiple attribute (e.g</a:t>
-            </a:r>
-            <a:r>
-              <a:rPr lang="en-US" altLang="en-US" dirty="0" smtClean="0"/>
-              <a:t>., </a:t>
-            </a:r>
-            <a:r>
-              <a:rPr lang="en-US" altLang="en-US" dirty="0"/>
-              <a:t>price and quality</a:t>
-            </a:r>
-            <a:r>
-              <a:rPr lang="en-US" altLang="en-US" dirty="0" smtClean="0"/>
-              <a:t>)</a:t>
-            </a:r>
-          </a:p>
-          <a:p>
-            <a:pPr lvl="1"/>
-            <a:r>
-              <a:rPr lang="en-US" altLang="en-US" dirty="0"/>
-              <a:t>o</a:t>
-            </a:r>
-            <a:r>
-              <a:rPr lang="en-US" altLang="en-US" dirty="0" smtClean="0"/>
-              <a:t>rderings (e.g., top choice, second choice, etc.)	//HW 4 uses this</a:t>
-            </a:r>
-            <a:endParaRPr lang="en-US" altLang="en-US" dirty="0"/>
+              <a:t>orderings (e.g., top choice, second choice, etc.)	//HW 4 uses this</a:t>
+            </a:r>
           </a:p>
         </p:txBody>
       </p:sp>
@@ -14271,13 +13953,6 @@
   <p:clrMapOvr>
     <a:masterClrMapping/>
   </p:clrMapOvr>
-  <p:timing>
-    <p:tnLst>
-      <p:par>
-        <p:cTn id="1" dur="indefinite" restart="never" nodeType="tmRoot"/>
-      </p:par>
-    </p:tnLst>
-  </p:timing>
 </p:sld>
 </file>
 
@@ -14483,13 +14158,6 @@
   <p:clrMapOvr>
     <a:masterClrMapping/>
   </p:clrMapOvr>
-  <p:timing>
-    <p:tnLst>
-      <p:par>
-        <p:cTn id="1" dur="indefinite" restart="never" nodeType="tmRoot"/>
-      </p:par>
-    </p:tnLst>
-  </p:timing>
 </p:sld>
 </file>
 
@@ -14531,10 +14199,9 @@
           <a:lstStyle/>
           <a:p>
             <a:r>
-              <a:rPr lang="en-US" altLang="en-US" sz="3600" b="1" dirty="0" smtClean="0"/>
+              <a:rPr lang="en-US" altLang="en-US" sz="3600" b="1" dirty="0"/>
               <a:t>Axiomatic vs. Strategic Bargaining</a:t>
             </a:r>
-            <a:endParaRPr lang="en-US" altLang="en-US" sz="3600" b="1" dirty="0"/>
           </a:p>
         </p:txBody>
       </p:sp>
@@ -14565,7 +14232,7 @@
                 <a:spcPct val="90000"/>
               </a:lnSpc>
             </a:pPr>
-            <a:endParaRPr lang="en-US" altLang="en-US" sz="2800" b="1" dirty="0" smtClean="0"/>
+            <a:endParaRPr lang="en-US" altLang="en-US" sz="2800" b="1" dirty="0"/>
           </a:p>
           <a:p>
             <a:pPr>
@@ -14574,12 +14241,8 @@
               </a:lnSpc>
             </a:pPr>
             <a:r>
-              <a:rPr lang="en-US" altLang="en-US" sz="2800" b="1" dirty="0" smtClean="0"/>
-              <a:t>Axiomatic </a:t>
-            </a:r>
-            <a:r>
               <a:rPr lang="en-US" altLang="en-US" sz="2800" b="1" dirty="0"/>
-              <a:t>bargaining</a:t>
+              <a:t>Axiomatic bargaining</a:t>
             </a:r>
           </a:p>
           <a:p>
@@ -14623,13 +14286,8 @@
             </a:pPr>
             <a:r>
               <a:rPr lang="en-US" altLang="en-US" sz="2400" dirty="0"/>
-              <a:t>E.g. Egalitarian bargaining solution, Nash bargaining solution, etc</a:t>
-            </a:r>
-            <a:r>
-              <a:rPr lang="en-US" altLang="en-US" sz="2400" dirty="0" smtClean="0"/>
-              <a:t>.</a:t>
-            </a:r>
-            <a:endParaRPr lang="en-US" altLang="en-US" sz="2400" dirty="0"/>
+              <a:t>E.g. Egalitarian bargaining solution, Nash bargaining solution, etc.</a:t>
+            </a:r>
           </a:p>
         </p:txBody>
       </p:sp>
@@ -14643,13 +14301,6 @@
   <p:clrMapOvr>
     <a:masterClrMapping/>
   </p:clrMapOvr>
-  <p:timing>
-    <p:tnLst>
-      <p:par>
-        <p:cTn id="1" dur="indefinite" restart="never" nodeType="tmRoot"/>
-      </p:par>
-    </p:tnLst>
-  </p:timing>
 </p:sld>
 </file>
 
@@ -14691,10 +14342,9 @@
           <a:lstStyle/>
           <a:p>
             <a:r>
-              <a:rPr lang="en-US" altLang="en-US" sz="3600" b="1" dirty="0" smtClean="0"/>
+              <a:rPr lang="en-US" altLang="en-US" sz="3600" b="1" dirty="0"/>
               <a:t>Axiomatic vs. Strategic Bargaining</a:t>
             </a:r>
-            <a:endParaRPr lang="en-US" altLang="en-US" sz="3600" b="1" dirty="0"/>
           </a:p>
         </p:txBody>
       </p:sp>
@@ -14725,7 +14375,7 @@
                 <a:spcPct val="90000"/>
               </a:lnSpc>
             </a:pPr>
-            <a:endParaRPr lang="en-US" altLang="en-US" sz="2800" b="1" dirty="0" smtClean="0"/>
+            <a:endParaRPr lang="en-US" altLang="en-US" sz="2800" b="1" dirty="0"/>
           </a:p>
           <a:p>
             <a:pPr>
@@ -14734,12 +14384,8 @@
               </a:lnSpc>
             </a:pPr>
             <a:r>
-              <a:rPr lang="en-US" altLang="en-US" sz="2800" b="1" dirty="0" smtClean="0"/>
-              <a:t>Strategic </a:t>
-            </a:r>
-            <a:r>
               <a:rPr lang="en-US" altLang="en-US" sz="2800" b="1" dirty="0"/>
-              <a:t>bargaining</a:t>
+              <a:t>Strategic bargaining</a:t>
             </a:r>
           </a:p>
           <a:p>
@@ -14772,11 +14418,7 @@
             </a:pPr>
             <a:r>
               <a:rPr lang="en-US" altLang="en-US" sz="2400" dirty="0"/>
-              <a:t>Bargainers decide final outcomes (not guaranteed</a:t>
-            </a:r>
-            <a:r>
-              <a:rPr lang="en-US" altLang="en-US" sz="2400" dirty="0" smtClean="0"/>
-              <a:t>)</a:t>
+              <a:t>Bargainers decide final outcomes (not guaranteed)</a:t>
             </a:r>
           </a:p>
           <a:p>
@@ -14786,18 +14428,17 @@
               </a:lnSpc>
             </a:pPr>
             <a:r>
-              <a:rPr lang="en-US" altLang="en-US" sz="2400" dirty="0" smtClean="0"/>
+              <a:rPr lang="en-US" altLang="en-US" sz="2400" dirty="0"/>
               <a:t>We will be coding up this one (</a:t>
             </a:r>
             <a:r>
-              <a:rPr lang="en-US" altLang="en-US" sz="2400" dirty="0" err="1" smtClean="0"/>
+              <a:rPr lang="en-US" altLang="en-US" sz="2400" dirty="0" err="1"/>
               <a:t>fyi</a:t>
             </a:r>
             <a:r>
-              <a:rPr lang="en-US" altLang="en-US" sz="2400" dirty="0" smtClean="0"/>
+              <a:rPr lang="en-US" altLang="en-US" sz="2400" dirty="0"/>
               <a:t>)</a:t>
             </a:r>
-            <a:endParaRPr lang="en-US" altLang="en-US" sz="2400" dirty="0"/>
           </a:p>
           <a:p>
             <a:pPr lvl="1">
@@ -14822,13 +14463,6 @@
   <p:clrMapOvr>
     <a:masterClrMapping/>
   </p:clrMapOvr>
-  <p:timing>
-    <p:tnLst>
-      <p:par>
-        <p:cTn id="1" dur="indefinite" restart="never" nodeType="tmRoot"/>
-      </p:par>
-    </p:tnLst>
-  </p:timing>
 </p:sld>
 </file>
 
@@ -15016,13 +14650,6 @@
   <p:clrMapOvr>
     <a:masterClrMapping/>
   </p:clrMapOvr>
-  <p:timing>
-    <p:tnLst>
-      <p:par>
-        <p:cTn id="1" dur="indefinite" restart="never" nodeType="tmRoot"/>
-      </p:par>
-    </p:tnLst>
-  </p:timing>
 </p:sld>
 </file>
 
@@ -15101,7 +14728,7 @@
               <a:buNone/>
             </a:pPr>
             <a:r>
-              <a:rPr lang="en-US" altLang="en-US" b="1" u="sng" dirty="0" smtClean="0">
+              <a:rPr lang="en-US" altLang="en-US" b="1" u="sng" dirty="0">
                 <a:solidFill>
                   <a:schemeClr val="tx2"/>
                 </a:solidFill>
@@ -15366,13 +14993,6 @@
   <p:clrMapOvr>
     <a:masterClrMapping/>
   </p:clrMapOvr>
-  <p:timing>
-    <p:tnLst>
-      <p:par>
-        <p:cTn id="1" dur="indefinite" restart="never" nodeType="tmRoot"/>
-      </p:par>
-    </p:tnLst>
-  </p:timing>
 </p:sld>
 </file>
 
@@ -16028,13 +15648,6 @@
   <p:clrMapOvr>
     <a:masterClrMapping/>
   </p:clrMapOvr>
-  <p:timing>
-    <p:tnLst>
-      <p:par>
-        <p:cTn id="1" dur="indefinite" restart="never" nodeType="tmRoot"/>
-      </p:par>
-    </p:tnLst>
-  </p:timing>
 </p:sld>
 </file>
 
@@ -17072,13 +16685,6 @@
   <p:clrMapOvr>
     <a:masterClrMapping/>
   </p:clrMapOvr>
-  <p:timing>
-    <p:tnLst>
-      <p:par>
-        <p:cTn id="1" dur="indefinite" restart="never" nodeType="tmRoot"/>
-      </p:par>
-    </p:tnLst>
-  </p:timing>
 </p:sld>
 </file>
 
@@ -17123,7 +16729,7 @@
               <a:buNone/>
             </a:pPr>
             <a:r>
-              <a:rPr lang="en-US" sz="2400" b="1" dirty="0" smtClean="0"/>
+              <a:rPr lang="en-US" sz="2400" b="1" dirty="0"/>
               <a:t>Multiple-Agents: Utility</a:t>
             </a:r>
           </a:p>
@@ -17131,14 +16737,14 @@
             <a:pPr marL="36900" indent="0">
               <a:buNone/>
             </a:pPr>
-            <a:endParaRPr lang="en-US" dirty="0" smtClean="0"/>
+            <a:endParaRPr lang="en-US" dirty="0"/>
           </a:p>
           <a:p>
             <a:pPr marL="36900" indent="0">
               <a:buNone/>
             </a:pPr>
             <a:r>
-              <a:rPr lang="en-US" dirty="0" smtClean="0"/>
+              <a:rPr lang="en-US" dirty="0"/>
               <a:t>Most interesting MAS problems force systems to balance the following:</a:t>
             </a:r>
           </a:p>
@@ -17153,11 +16759,11 @@
               <a:buNone/>
             </a:pPr>
             <a:r>
-              <a:rPr lang="en-US" b="1" u="sng" dirty="0" smtClean="0"/>
+              <a:rPr lang="en-US" b="1" u="sng" dirty="0"/>
               <a:t>Global Utility:</a:t>
             </a:r>
             <a:r>
-              <a:rPr lang="en-US" dirty="0" smtClean="0"/>
+              <a:rPr lang="en-US" dirty="0"/>
               <a:t> Total utility shared by the entire system. Usually involves agents working together.</a:t>
             </a:r>
           </a:p>
@@ -17172,11 +16778,11 @@
               <a:buNone/>
             </a:pPr>
             <a:r>
-              <a:rPr lang="en-US" b="1" u="sng" dirty="0" smtClean="0"/>
+              <a:rPr lang="en-US" b="1" u="sng" dirty="0"/>
               <a:t>Local Utility:</a:t>
             </a:r>
             <a:r>
-              <a:rPr lang="en-US" dirty="0" smtClean="0"/>
+              <a:rPr lang="en-US" dirty="0"/>
               <a:t> The utility of each individual agent.</a:t>
             </a:r>
           </a:p>
@@ -17191,7 +16797,7 @@
               <a:buNone/>
             </a:pPr>
             <a:r>
-              <a:rPr lang="en-US" i="1" dirty="0" smtClean="0"/>
+              <a:rPr lang="en-US" i="1" dirty="0"/>
               <a:t>* Sometimes you will have one or both</a:t>
             </a:r>
           </a:p>
@@ -17248,13 +16854,6 @@
   <p:clrMapOvr>
     <a:masterClrMapping/>
   </p:clrMapOvr>
-  <p:timing>
-    <p:tnLst>
-      <p:par>
-        <p:cTn id="1" dur="indefinite" restart="never" nodeType="tmRoot"/>
-      </p:par>
-    </p:tnLst>
-  </p:timing>
 </p:sld>
 </file>
 
@@ -18633,13 +18232,6 @@
   <p:clrMapOvr>
     <a:masterClrMapping/>
   </p:clrMapOvr>
-  <p:timing>
-    <p:tnLst>
-      <p:par>
-        <p:cTn id="1" dur="indefinite" restart="never" nodeType="tmRoot"/>
-      </p:par>
-    </p:tnLst>
-  </p:timing>
 </p:sld>
 </file>
 
@@ -20021,13 +19613,6 @@
   <p:clrMapOvr>
     <a:masterClrMapping/>
   </p:clrMapOvr>
-  <p:timing>
-    <p:tnLst>
-      <p:par>
-        <p:cTn id="1" dur="indefinite" restart="never" nodeType="tmRoot"/>
-      </p:par>
-    </p:tnLst>
-  </p:timing>
 </p:sld>
 </file>
 
@@ -21406,13 +20991,6 @@
   <p:clrMapOvr>
     <a:masterClrMapping/>
   </p:clrMapOvr>
-  <p:timing>
-    <p:tnLst>
-      <p:par>
-        <p:cTn id="1" dur="indefinite" restart="never" nodeType="tmRoot"/>
-      </p:par>
-    </p:tnLst>
-  </p:timing>
 </p:sld>
 </file>
 
@@ -21579,7 +21157,7 @@
                 <a:spcPct val="90000"/>
               </a:lnSpc>
             </a:pPr>
-            <a:endParaRPr lang="en-US" altLang="en-US" sz="2800" dirty="0" smtClean="0"/>
+            <a:endParaRPr lang="en-US" altLang="en-US" sz="2800" dirty="0"/>
           </a:p>
           <a:p>
             <a:pPr>
@@ -21588,12 +21166,8 @@
               </a:lnSpc>
             </a:pPr>
             <a:r>
-              <a:rPr lang="en-US" altLang="en-US" sz="2800" dirty="0" smtClean="0"/>
-              <a:t>Goal</a:t>
-            </a:r>
-            <a:r>
               <a:rPr lang="en-US" altLang="en-US" sz="2800" dirty="0"/>
-              <a:t>: achieve </a:t>
+              <a:t>Goal: achieve </a:t>
             </a:r>
             <a:r>
               <a:rPr lang="en-US" altLang="en-US" sz="2800" dirty="0" err="1"/>
@@ -21624,7 +21198,7 @@
                 <a:spcPct val="90000"/>
               </a:lnSpc>
             </a:pPr>
-            <a:endParaRPr lang="en-US" altLang="en-US" sz="2800" dirty="0" smtClean="0"/>
+            <a:endParaRPr lang="en-US" altLang="en-US" sz="2800" dirty="0"/>
           </a:p>
           <a:p>
             <a:pPr>
@@ -21633,12 +21207,8 @@
               </a:lnSpc>
             </a:pPr>
             <a:r>
-              <a:rPr lang="en-US" altLang="en-US" sz="2800" dirty="0" smtClean="0"/>
-              <a:t>Solving </a:t>
-            </a:r>
-            <a:r>
               <a:rPr lang="en-US" altLang="en-US" sz="2800" dirty="0"/>
-              <a:t>method: backward induction (Game-theoretic approach)</a:t>
+              <a:t>Solving method: backward induction (Game-theoretic approach)</a:t>
             </a:r>
           </a:p>
           <a:p>
@@ -21647,7 +21217,7 @@
                 <a:spcPct val="90000"/>
               </a:lnSpc>
             </a:pPr>
-            <a:endParaRPr lang="en-US" altLang="en-US" sz="2800" dirty="0" smtClean="0">
+            <a:endParaRPr lang="en-US" altLang="en-US" sz="2800" dirty="0">
               <a:sym typeface="Symbol" panose="05050102010706020507" pitchFamily="18" charset="2"/>
             </a:endParaRPr>
           </a:p>
@@ -21658,16 +21228,10 @@
               </a:lnSpc>
             </a:pPr>
             <a:r>
-              <a:rPr lang="en-US" altLang="en-US" sz="2800" dirty="0" smtClean="0">
-                <a:sym typeface="Symbol" panose="05050102010706020507" pitchFamily="18" charset="2"/>
-              </a:rPr>
-              <a:t>Assumptions</a:t>
-            </a:r>
-            <a:r>
               <a:rPr lang="en-US" altLang="en-US" sz="2800" dirty="0">
                 <a:sym typeface="Symbol" panose="05050102010706020507" pitchFamily="18" charset="2"/>
               </a:rPr>
-              <a:t>:</a:t>
+              <a:t>Assumptions:</a:t>
             </a:r>
           </a:p>
           <a:p>
@@ -21708,13 +21272,6 @@
   <p:clrMapOvr>
     <a:masterClrMapping/>
   </p:clrMapOvr>
-  <p:timing>
-    <p:tnLst>
-      <p:par>
-        <p:cTn id="1" dur="indefinite" restart="never" nodeType="tmRoot"/>
-      </p:par>
-    </p:tnLst>
-  </p:timing>
 </p:sld>
 </file>
 
@@ -21756,7 +21313,7 @@
           <a:lstStyle/>
           <a:p>
             <a:r>
-              <a:rPr lang="en-US" altLang="en-US" sz="3600" b="1" dirty="0" smtClean="0">
+              <a:rPr lang="en-US" altLang="en-US" sz="3600" b="1" dirty="0">
                 <a:solidFill>
                   <a:schemeClr val="tx1"/>
                 </a:solidFill>
@@ -21795,7 +21352,7 @@
               </a:lnSpc>
             </a:pPr>
             <a:r>
-              <a:rPr lang="en-US" altLang="en-US" sz="2800" dirty="0" smtClean="0"/>
+              <a:rPr lang="en-US" altLang="en-US" sz="2800" dirty="0"/>
               <a:t>A simple game theory algorithm</a:t>
             </a:r>
           </a:p>
@@ -21816,7 +21373,7 @@
               </a:lnSpc>
             </a:pPr>
             <a:r>
-              <a:rPr lang="en-US" altLang="en-US" sz="2800" dirty="0" smtClean="0">
+              <a:rPr lang="en-US" altLang="en-US" sz="2800" dirty="0">
                 <a:sym typeface="Symbol" panose="05050102010706020507" pitchFamily="18" charset="2"/>
               </a:rPr>
               <a:t>Idea: Compare the benefit of accepting the opponents most recent offer with a guess of what will happen if you reject</a:t>
@@ -21839,19 +21396,19 @@
               </a:lnSpc>
             </a:pPr>
             <a:r>
-              <a:rPr lang="en-US" altLang="en-US" sz="2800" dirty="0" smtClean="0">
+              <a:rPr lang="en-US" altLang="en-US" sz="2800" dirty="0">
                 <a:sym typeface="Symbol" panose="05050102010706020507" pitchFamily="18" charset="2"/>
               </a:rPr>
               <a:t>Kind of like </a:t>
             </a:r>
             <a:r>
-              <a:rPr lang="en-US" altLang="en-US" sz="2800" dirty="0" err="1" smtClean="0">
+              <a:rPr lang="en-US" altLang="en-US" sz="2800" dirty="0" err="1">
                 <a:sym typeface="Symbol" panose="05050102010706020507" pitchFamily="18" charset="2"/>
               </a:rPr>
               <a:t>minimax</a:t>
             </a:r>
             <a:r>
-              <a:rPr lang="en-US" altLang="en-US" sz="2800" dirty="0" smtClean="0">
+              <a:rPr lang="en-US" altLang="en-US" sz="2800" dirty="0">
                 <a:sym typeface="Symbol" panose="05050102010706020507" pitchFamily="18" charset="2"/>
               </a:rPr>
               <a:t> in that we take the best path down a decision tree</a:t>
@@ -21929,10 +21486,9 @@
           <a:lstStyle/>
           <a:p>
             <a:r>
-              <a:rPr lang="en-US" dirty="0" smtClean="0"/>
+              <a:rPr lang="en-US" dirty="0"/>
               <a:t>Opponent Gives Offer</a:t>
             </a:r>
-            <a:endParaRPr lang="en-US" dirty="0"/>
           </a:p>
         </p:txBody>
       </p:sp>
@@ -22003,26 +21559,25 @@
           <a:lstStyle/>
           <a:p>
             <a:r>
-              <a:rPr lang="en-US" dirty="0" smtClean="0"/>
+              <a:rPr lang="en-US" dirty="0"/>
               <a:t>Accept Offer</a:t>
             </a:r>
           </a:p>
           <a:p>
             <a:r>
-              <a:rPr lang="en-US" dirty="0" smtClean="0"/>
+              <a:rPr lang="en-US" dirty="0"/>
               <a:t>Reward: 5</a:t>
             </a:r>
           </a:p>
           <a:p>
             <a:r>
-              <a:rPr lang="en-US" dirty="0" err="1" smtClean="0"/>
+              <a:rPr lang="en-US" dirty="0" err="1"/>
               <a:t>Opp</a:t>
             </a:r>
             <a:r>
-              <a:rPr lang="en-US" dirty="0" smtClean="0"/>
+              <a:rPr lang="en-US" dirty="0"/>
               <a:t>: 100</a:t>
             </a:r>
-            <a:endParaRPr lang="en-US" dirty="0"/>
           </a:p>
         </p:txBody>
       </p:sp>
@@ -22093,16 +21648,15 @@
           <a:lstStyle/>
           <a:p>
             <a:r>
-              <a:rPr lang="en-US" dirty="0" smtClean="0"/>
+              <a:rPr lang="en-US" dirty="0"/>
               <a:t>Reject Offer</a:t>
             </a:r>
           </a:p>
           <a:p>
             <a:r>
-              <a:rPr lang="en-US" dirty="0" smtClean="0"/>
+              <a:rPr lang="en-US" dirty="0"/>
               <a:t>Expected Reward: ??</a:t>
             </a:r>
-            <a:endParaRPr lang="en-US" dirty="0"/>
           </a:p>
         </p:txBody>
       </p:sp>
@@ -22485,7 +22039,7 @@
               </a:lnSpc>
             </a:pPr>
             <a:r>
-              <a:rPr lang="en-US" altLang="en-US" dirty="0" smtClean="0"/>
+              <a:rPr lang="en-US" altLang="en-US" dirty="0"/>
               <a:t>Goal is to calculate expected reward and compare to accept reward, choose the better option!</a:t>
             </a:r>
           </a:p>
@@ -22573,13 +22127,6 @@
   <p:clrMapOvr>
     <a:masterClrMapping/>
   </p:clrMapOvr>
-  <p:timing>
-    <p:tnLst>
-      <p:par>
-        <p:cTn id="1" dur="indefinite" restart="never" nodeType="tmRoot"/>
-      </p:par>
-    </p:tnLst>
-  </p:timing>
 </p:sld>
 </file>
 
@@ -22621,7 +22168,7 @@
           <a:lstStyle/>
           <a:p>
             <a:r>
-              <a:rPr lang="en-US" altLang="en-US" sz="3600" b="1" dirty="0" smtClean="0">
+              <a:rPr lang="en-US" altLang="en-US" sz="3600" b="1" dirty="0">
                 <a:solidFill>
                   <a:schemeClr val="tx1"/>
                 </a:solidFill>
@@ -23014,7 +22561,6 @@
               <a:rPr lang="en-US" altLang="en-US" dirty="0"/>
               <a:t>From: https://www.youtube.com/watch?t=214&amp;v=pyLKkN5HpDY</a:t>
             </a:r>
-            <a:endParaRPr lang="en-US" altLang="en-US" dirty="0" smtClean="0"/>
           </a:p>
         </p:txBody>
       </p:sp>
@@ -23052,13 +22598,6 @@
   <p:clrMapOvr>
     <a:masterClrMapping/>
   </p:clrMapOvr>
-  <p:timing>
-    <p:tnLst>
-      <p:par>
-        <p:cTn id="1" dur="indefinite" restart="never" nodeType="tmRoot"/>
-      </p:par>
-    </p:tnLst>
-  </p:timing>
 </p:sld>
 </file>
 
@@ -23100,7 +22639,7 @@
           <a:lstStyle/>
           <a:p>
             <a:r>
-              <a:rPr lang="en-US" altLang="en-US" sz="3600" b="1" dirty="0" smtClean="0">
+              <a:rPr lang="en-US" altLang="en-US" sz="3600" b="1" dirty="0">
                 <a:solidFill>
                   <a:schemeClr val="tx1"/>
                 </a:solidFill>
@@ -23493,7 +23032,6 @@
               <a:rPr lang="en-US" altLang="en-US" dirty="0"/>
               <a:t>From: https://www.youtube.com/watch?t=214&amp;v=pyLKkN5HpDY</a:t>
             </a:r>
-            <a:endParaRPr lang="en-US" altLang="en-US" dirty="0" smtClean="0"/>
           </a:p>
         </p:txBody>
       </p:sp>
@@ -23520,7 +23058,7 @@
           <a:lstStyle/>
           <a:p>
             <a:r>
-              <a:rPr lang="en-US" dirty="0" smtClean="0"/>
+              <a:rPr lang="en-US" dirty="0"/>
               <a:t>If we get to this state, blue player will always choose war!</a:t>
             </a:r>
           </a:p>
@@ -23529,19 +23067,19 @@
           </a:p>
           <a:p>
             <a:r>
-              <a:rPr lang="en-US" dirty="0" smtClean="0"/>
+              <a:rPr lang="en-US" dirty="0"/>
               <a:t>Sounds like </a:t>
             </a:r>
             <a:r>
-              <a:rPr lang="en-US" dirty="0" err="1" smtClean="0"/>
+              <a:rPr lang="en-US" dirty="0" err="1"/>
               <a:t>minimax</a:t>
             </a:r>
             <a:r>
-              <a:rPr lang="en-US" dirty="0" smtClean="0"/>
+              <a:rPr lang="en-US" dirty="0"/>
               <a:t> still </a:t>
             </a:r>
             <a:r>
-              <a:rPr lang="en-US" dirty="0" smtClean="0">
+              <a:rPr lang="en-US" dirty="0">
                 <a:sym typeface="Wingdings" panose="05000000000000000000" pitchFamily="2" charset="2"/>
               </a:rPr>
               <a:t></a:t>
@@ -23584,13 +23122,6 @@
   <p:clrMapOvr>
     <a:masterClrMapping/>
   </p:clrMapOvr>
-  <p:timing>
-    <p:tnLst>
-      <p:par>
-        <p:cTn id="1" dur="indefinite" restart="never" nodeType="tmRoot"/>
-      </p:par>
-    </p:tnLst>
-  </p:timing>
 </p:sld>
 </file>
 
@@ -23632,7 +23163,7 @@
           <a:lstStyle/>
           <a:p>
             <a:r>
-              <a:rPr lang="en-US" altLang="en-US" sz="3600" b="1" dirty="0" smtClean="0">
+              <a:rPr lang="en-US" altLang="en-US" sz="3600" b="1" dirty="0">
                 <a:solidFill>
                   <a:schemeClr val="tx1"/>
                 </a:solidFill>
@@ -24025,7 +23556,6 @@
               <a:rPr lang="en-US" altLang="en-US" dirty="0"/>
               <a:t>From: https://www.youtube.com/watch?t=214&amp;v=pyLKkN5HpDY</a:t>
             </a:r>
-            <a:endParaRPr lang="en-US" altLang="en-US" dirty="0" smtClean="0"/>
           </a:p>
         </p:txBody>
       </p:sp>
@@ -24052,7 +23582,7 @@
           <a:lstStyle/>
           <a:p>
             <a:r>
-              <a:rPr lang="en-US" dirty="0" smtClean="0"/>
+              <a:rPr lang="en-US" dirty="0"/>
               <a:t>What will red player choose?</a:t>
             </a:r>
           </a:p>
@@ -24061,10 +23591,9 @@
           </a:p>
           <a:p>
             <a:r>
-              <a:rPr lang="en-US" dirty="0" smtClean="0"/>
+              <a:rPr lang="en-US" dirty="0"/>
               <a:t>Escalate! Why?</a:t>
             </a:r>
-            <a:endParaRPr lang="en-US" dirty="0"/>
           </a:p>
         </p:txBody>
       </p:sp>
@@ -24102,13 +23631,6 @@
   <p:clrMapOvr>
     <a:masterClrMapping/>
   </p:clrMapOvr>
-  <p:timing>
-    <p:tnLst>
-      <p:par>
-        <p:cTn id="1" dur="indefinite" restart="never" nodeType="tmRoot"/>
-      </p:par>
-    </p:tnLst>
-  </p:timing>
 </p:sld>
 </file>
 
@@ -24150,7 +23672,7 @@
           <a:lstStyle/>
           <a:p>
             <a:r>
-              <a:rPr lang="en-US" altLang="en-US" sz="3600" b="1" dirty="0" smtClean="0">
+              <a:rPr lang="en-US" altLang="en-US" sz="3600" b="1" dirty="0">
                 <a:solidFill>
                   <a:schemeClr val="tx1"/>
                 </a:solidFill>
@@ -24543,7 +24065,6 @@
               <a:rPr lang="en-US" altLang="en-US" dirty="0"/>
               <a:t>From: https://www.youtube.com/watch?t=214&amp;v=pyLKkN5HpDY</a:t>
             </a:r>
-            <a:endParaRPr lang="en-US" altLang="en-US" dirty="0" smtClean="0"/>
           </a:p>
         </p:txBody>
       </p:sp>
@@ -24570,10 +24091,9 @@
           <a:lstStyle/>
           <a:p>
             <a:r>
-              <a:rPr lang="en-US" dirty="0" smtClean="0"/>
+              <a:rPr lang="en-US" dirty="0"/>
               <a:t>So, what will happen?</a:t>
             </a:r>
-            <a:endParaRPr lang="en-US" dirty="0"/>
           </a:p>
         </p:txBody>
       </p:sp>
@@ -24611,13 +24131,6 @@
   <p:clrMapOvr>
     <a:masterClrMapping/>
   </p:clrMapOvr>
-  <p:timing>
-    <p:tnLst>
-      <p:par>
-        <p:cTn id="1" dur="indefinite" restart="never" nodeType="tmRoot"/>
-      </p:par>
-    </p:tnLst>
-  </p:timing>
 </p:sld>
 </file>
 
@@ -24659,7 +24172,7 @@
           <a:lstStyle/>
           <a:p>
             <a:r>
-              <a:rPr lang="en-US" altLang="en-US" sz="3600" b="1" dirty="0" smtClean="0">
+              <a:rPr lang="en-US" altLang="en-US" sz="3600" b="1" dirty="0">
                 <a:solidFill>
                   <a:schemeClr val="tx1"/>
                 </a:solidFill>
@@ -24698,7 +24211,7 @@
               </a:lnSpc>
             </a:pPr>
             <a:r>
-              <a:rPr lang="en-US" altLang="en-US" sz="2200" dirty="0" smtClean="0"/>
+              <a:rPr lang="en-US" altLang="en-US" sz="2200" dirty="0"/>
               <a:t>Backward induction assumes perfect information. So, decision tree can be perfectly calculated.</a:t>
             </a:r>
           </a:p>
@@ -24719,14 +24232,11 @@
               </a:lnSpc>
             </a:pPr>
             <a:r>
-              <a:rPr lang="en-US" altLang="en-US" sz="2200" dirty="0" smtClean="0">
+              <a:rPr lang="en-US" altLang="en-US" sz="2200" dirty="0">
                 <a:sym typeface="Symbol" panose="05050102010706020507" pitchFamily="18" charset="2"/>
               </a:rPr>
               <a:t>Best strategy then is to estimate what your opponent will do with probability functions and make the best decision you can.</a:t>
             </a:r>
-            <a:endParaRPr lang="en-US" altLang="en-US" sz="2200" dirty="0">
-              <a:sym typeface="Symbol" panose="05050102010706020507" pitchFamily="18" charset="2"/>
-            </a:endParaRPr>
           </a:p>
         </p:txBody>
       </p:sp>
@@ -24797,10 +24307,9 @@
           <a:lstStyle/>
           <a:p>
             <a:r>
-              <a:rPr lang="en-US" dirty="0" smtClean="0"/>
+              <a:rPr lang="en-US" dirty="0"/>
               <a:t>Opponent Gives Offer</a:t>
             </a:r>
-            <a:endParaRPr lang="en-US" dirty="0"/>
           </a:p>
         </p:txBody>
       </p:sp>
@@ -24871,26 +24380,25 @@
           <a:lstStyle/>
           <a:p>
             <a:r>
-              <a:rPr lang="en-US" dirty="0" smtClean="0"/>
+              <a:rPr lang="en-US" dirty="0"/>
               <a:t>Accept Offer</a:t>
             </a:r>
           </a:p>
           <a:p>
             <a:r>
-              <a:rPr lang="en-US" dirty="0" smtClean="0"/>
+              <a:rPr lang="en-US" dirty="0"/>
               <a:t>Reward: 5</a:t>
             </a:r>
           </a:p>
           <a:p>
             <a:r>
-              <a:rPr lang="en-US" dirty="0" err="1" smtClean="0"/>
+              <a:rPr lang="en-US" dirty="0" err="1"/>
               <a:t>Opp</a:t>
             </a:r>
             <a:r>
-              <a:rPr lang="en-US" dirty="0" smtClean="0"/>
+              <a:rPr lang="en-US" dirty="0"/>
               <a:t>: 100</a:t>
             </a:r>
-            <a:endParaRPr lang="en-US" dirty="0"/>
           </a:p>
         </p:txBody>
       </p:sp>
@@ -24961,16 +24469,15 @@
           <a:lstStyle/>
           <a:p>
             <a:r>
-              <a:rPr lang="en-US" dirty="0" smtClean="0"/>
+              <a:rPr lang="en-US" dirty="0"/>
               <a:t>Reject Offer</a:t>
             </a:r>
           </a:p>
           <a:p>
             <a:r>
-              <a:rPr lang="en-US" dirty="0" smtClean="0"/>
+              <a:rPr lang="en-US" dirty="0"/>
               <a:t>Expected Reward: ??</a:t>
             </a:r>
-            <a:endParaRPr lang="en-US" dirty="0"/>
           </a:p>
         </p:txBody>
       </p:sp>
@@ -25353,7 +24860,7 @@
               </a:lnSpc>
             </a:pPr>
             <a:r>
-              <a:rPr lang="en-US" altLang="en-US" dirty="0" smtClean="0"/>
+              <a:rPr lang="en-US" altLang="en-US" dirty="0"/>
               <a:t>Goal is to calculate expected reward and compare to accept reward, choose the better option!</a:t>
             </a:r>
           </a:p>
@@ -25441,13 +24948,6 @@
   <p:clrMapOvr>
     <a:masterClrMapping/>
   </p:clrMapOvr>
-  <p:timing>
-    <p:tnLst>
-      <p:par>
-        <p:cTn id="1" dur="indefinite" restart="never" nodeType="tmRoot"/>
-      </p:par>
-    </p:tnLst>
-  </p:timing>
 </p:sld>
 </file>
 
@@ -25492,7 +24992,7 @@
               <a:buNone/>
             </a:pPr>
             <a:r>
-              <a:rPr lang="en-US" sz="2400" b="1" dirty="0" smtClean="0"/>
+              <a:rPr lang="en-US" sz="2400" b="1" dirty="0"/>
               <a:t>Cooperative vs. Competitive MAS</a:t>
             </a:r>
           </a:p>
@@ -25500,14 +25000,14 @@
             <a:pPr marL="36900" indent="0">
               <a:buNone/>
             </a:pPr>
-            <a:endParaRPr lang="en-US" dirty="0" smtClean="0"/>
+            <a:endParaRPr lang="en-US" dirty="0"/>
           </a:p>
           <a:p>
             <a:pPr marL="36900" indent="0">
               <a:buNone/>
             </a:pPr>
             <a:r>
-              <a:rPr lang="en-US" dirty="0" smtClean="0"/>
+              <a:rPr lang="en-US" dirty="0"/>
               <a:t>Likewise, we have two extreme types of MAS:</a:t>
             </a:r>
           </a:p>
@@ -25522,11 +25022,11 @@
               <a:buNone/>
             </a:pPr>
             <a:r>
-              <a:rPr lang="en-US" b="1" u="sng" dirty="0" smtClean="0"/>
+              <a:rPr lang="en-US" b="1" u="sng" dirty="0"/>
               <a:t>Fully Cooperative:</a:t>
             </a:r>
             <a:r>
-              <a:rPr lang="en-US" dirty="0" smtClean="0"/>
+              <a:rPr lang="en-US" dirty="0"/>
               <a:t> Every agent shares the same utility function (this is what a global utility function is).</a:t>
             </a:r>
           </a:p>
@@ -25541,11 +25041,11 @@
               <a:buNone/>
             </a:pPr>
             <a:r>
-              <a:rPr lang="en-US" b="1" u="sng" dirty="0" smtClean="0"/>
+              <a:rPr lang="en-US" b="1" u="sng" dirty="0"/>
               <a:t>Fully Competitive:</a:t>
             </a:r>
             <a:r>
-              <a:rPr lang="en-US" dirty="0" smtClean="0"/>
+              <a:rPr lang="en-US" dirty="0"/>
               <a:t> When one agent can only win when the other agent loses.</a:t>
             </a:r>
           </a:p>
@@ -25560,7 +25060,7 @@
               <a:buNone/>
             </a:pPr>
             <a:r>
-              <a:rPr lang="en-US" i="1" dirty="0" smtClean="0"/>
+              <a:rPr lang="en-US" i="1" dirty="0"/>
               <a:t>*Most practical systems fall somewhere in between these extremes</a:t>
             </a:r>
           </a:p>
@@ -25617,13 +25117,6 @@
   <p:clrMapOvr>
     <a:masterClrMapping/>
   </p:clrMapOvr>
-  <p:timing>
-    <p:tnLst>
-      <p:par>
-        <p:cTn id="1" dur="indefinite" restart="never" nodeType="tmRoot"/>
-      </p:par>
-    </p:tnLst>
-  </p:timing>
 </p:sld>
 </file>
 
@@ -25667,7 +25160,7 @@
           <a:lstStyle/>
           <a:p>
             <a:r>
-              <a:rPr lang="en-US" altLang="en-US" sz="3600" b="1" smtClean="0">
+              <a:rPr lang="en-US" altLang="en-US" sz="3600" b="1">
                 <a:solidFill>
                   <a:schemeClr val="tx1"/>
                 </a:solidFill>
@@ -25675,7 +25168,7 @@
               <a:t>Other Features of </a:t>
             </a:r>
             <a:r>
-              <a:rPr lang="en-US" altLang="en-US" sz="3600" b="1" smtClean="0"/>
+              <a:rPr lang="en-US" altLang="en-US" sz="3600" b="1"/>
               <a:t>Alternating-offer </a:t>
             </a:r>
             <a:r>
@@ -25717,42 +25210,30 @@
             </a:r>
           </a:p>
           <a:p>
-            <a:endParaRPr lang="en-US" altLang="en-US" dirty="0" smtClean="0"/>
-          </a:p>
-          <a:p>
-            <a:r>
-              <a:rPr lang="en-US" altLang="en-US" dirty="0" smtClean="0"/>
-              <a:t>Strategic </a:t>
-            </a:r>
+            <a:endParaRPr lang="en-US" altLang="en-US" dirty="0"/>
+          </a:p>
+          <a:p>
             <a:r>
               <a:rPr lang="en-US" altLang="en-US" dirty="0"/>
-              <a:t>delay</a:t>
-            </a:r>
-          </a:p>
-          <a:p>
-            <a:endParaRPr lang="en-US" altLang="en-US" dirty="0" smtClean="0"/>
-          </a:p>
-          <a:p>
-            <a:r>
-              <a:rPr lang="en-US" altLang="en-US" dirty="0" smtClean="0"/>
-              <a:t>Free </a:t>
-            </a:r>
+              <a:t>Strategic delay</a:t>
+            </a:r>
+          </a:p>
+          <a:p>
+            <a:endParaRPr lang="en-US" altLang="en-US" dirty="0"/>
+          </a:p>
+          <a:p>
             <a:r>
               <a:rPr lang="en-US" altLang="en-US" dirty="0"/>
-              <a:t>revision (non-monotonic)</a:t>
-            </a:r>
-          </a:p>
-          <a:p>
-            <a:endParaRPr lang="en-US" altLang="en-US" dirty="0" smtClean="0"/>
-          </a:p>
-          <a:p>
-            <a:r>
-              <a:rPr lang="en-US" altLang="en-US" dirty="0" smtClean="0"/>
-              <a:t>Range </a:t>
-            </a:r>
+              <a:t>Free revision (non-monotonic)</a:t>
+            </a:r>
+          </a:p>
+          <a:p>
+            <a:endParaRPr lang="en-US" altLang="en-US" dirty="0"/>
+          </a:p>
+          <a:p>
             <a:r>
               <a:rPr lang="en-US" altLang="en-US" dirty="0"/>
-              <a:t>offer (instead of one point offer)</a:t>
+              <a:t>Range offer (instead of one point offer)</a:t>
             </a:r>
           </a:p>
         </p:txBody>
@@ -25767,13 +25248,6 @@
   <p:clrMapOvr>
     <a:masterClrMapping/>
   </p:clrMapOvr>
-  <p:timing>
-    <p:tnLst>
-      <p:par>
-        <p:cTn id="1" dur="indefinite" restart="never" nodeType="tmRoot"/>
-      </p:par>
-    </p:tnLst>
-  </p:timing>
 </p:sld>
 </file>
 
@@ -27401,10 +26875,9 @@
           <a:lstStyle/>
           <a:p>
             <a:r>
-              <a:rPr lang="en-US" dirty="0" smtClean="0"/>
+              <a:rPr lang="en-US" dirty="0"/>
               <a:t>Distributed CSP Problems</a:t>
             </a:r>
-            <a:endParaRPr lang="en-US" dirty="0"/>
           </a:p>
         </p:txBody>
       </p:sp>
@@ -27437,13 +26910,6 @@
   <p:clrMapOvr>
     <a:masterClrMapping/>
   </p:clrMapOvr>
-  <p:timing>
-    <p:tnLst>
-      <p:par>
-        <p:cTn id="1" dur="indefinite" restart="never" nodeType="tmRoot"/>
-      </p:par>
-    </p:tnLst>
-  </p:timing>
 </p:sld>
 </file>
 
@@ -27488,7 +26954,7 @@
               <a:buNone/>
             </a:pPr>
             <a:r>
-              <a:rPr lang="en-US" sz="2400" b="1" dirty="0" smtClean="0"/>
+              <a:rPr lang="en-US" sz="2400" b="1" dirty="0"/>
               <a:t>Constraint-Satisfaction Problems</a:t>
             </a:r>
           </a:p>
@@ -27496,14 +26962,14 @@
             <a:pPr marL="36900" indent="0">
               <a:buNone/>
             </a:pPr>
-            <a:endParaRPr lang="en-US" dirty="0" smtClean="0"/>
+            <a:endParaRPr lang="en-US" dirty="0"/>
           </a:p>
           <a:p>
             <a:pPr marL="36900" indent="0">
               <a:buNone/>
             </a:pPr>
             <a:r>
-              <a:rPr lang="en-US" dirty="0" smtClean="0"/>
+              <a:rPr lang="en-US" dirty="0"/>
               <a:t>CSP problems contain:</a:t>
             </a:r>
           </a:p>
@@ -27512,7 +26978,7 @@
               <a:buAutoNum type="arabicPeriod"/>
             </a:pPr>
             <a:r>
-              <a:rPr lang="en-US" dirty="0" smtClean="0"/>
+              <a:rPr lang="en-US" dirty="0"/>
               <a:t>A set of variables</a:t>
             </a:r>
           </a:p>
@@ -27521,7 +26987,7 @@
               <a:buAutoNum type="arabicPeriod"/>
             </a:pPr>
             <a:r>
-              <a:rPr lang="en-US" dirty="0" smtClean="0"/>
+              <a:rPr lang="en-US" dirty="0"/>
               <a:t>A domain of values each variable can take</a:t>
             </a:r>
           </a:p>
@@ -27530,7 +26996,7 @@
               <a:buAutoNum type="arabicPeriod"/>
             </a:pPr>
             <a:r>
-              <a:rPr lang="en-US" dirty="0" smtClean="0"/>
+              <a:rPr lang="en-US" dirty="0"/>
               <a:t>A set of constraints on which values variables can take simultaneously</a:t>
             </a:r>
           </a:p>
@@ -27545,7 +27011,7 @@
               <a:buNone/>
             </a:pPr>
             <a:r>
-              <a:rPr lang="en-US" dirty="0" smtClean="0"/>
+              <a:rPr lang="en-US" dirty="0"/>
               <a:t>Examples:</a:t>
             </a:r>
           </a:p>
@@ -27554,7 +27020,7 @@
               <a:buAutoNum type="arabicPeriod"/>
             </a:pPr>
             <a:r>
-              <a:rPr lang="en-US" dirty="0" smtClean="0"/>
+              <a:rPr lang="en-US" dirty="0"/>
               <a:t>Graph coloring</a:t>
             </a:r>
           </a:p>
@@ -27563,7 +27029,7 @@
               <a:buAutoNum type="arabicPeriod"/>
             </a:pPr>
             <a:r>
-              <a:rPr lang="en-US" dirty="0" smtClean="0"/>
+              <a:rPr lang="en-US" dirty="0"/>
               <a:t>TSP</a:t>
             </a:r>
           </a:p>
@@ -27572,7 +27038,7 @@
               <a:buAutoNum type="arabicPeriod"/>
             </a:pPr>
             <a:r>
-              <a:rPr lang="en-US" dirty="0" smtClean="0"/>
+              <a:rPr lang="en-US" dirty="0"/>
               <a:t>Knapsack problem</a:t>
             </a:r>
           </a:p>
@@ -27612,13 +27078,6 @@
   <p:clrMapOvr>
     <a:masterClrMapping/>
   </p:clrMapOvr>
-  <p:timing>
-    <p:tnLst>
-      <p:par>
-        <p:cTn id="1" dur="indefinite" restart="never" nodeType="tmRoot"/>
-      </p:par>
-    </p:tnLst>
-  </p:timing>
 </p:sld>
 </file>
 
@@ -27663,7 +27122,7 @@
               <a:buNone/>
             </a:pPr>
             <a:r>
-              <a:rPr lang="en-US" sz="2400" b="1" dirty="0" smtClean="0"/>
+              <a:rPr lang="en-US" sz="2400" b="1" dirty="0"/>
               <a:t>Constraint-Satisfaction Problems</a:t>
             </a:r>
           </a:p>
@@ -27678,9 +27137,23 @@
               <a:buNone/>
             </a:pPr>
             <a:r>
-              <a:rPr lang="en-US" dirty="0" smtClean="0"/>
+              <a:rPr lang="en-US" dirty="0"/>
               <a:t>Example:</a:t>
             </a:r>
+          </a:p>
+          <a:p>
+            <a:pPr marL="36900" indent="0">
+              <a:buNone/>
+            </a:pPr>
+            <a:r>
+              <a:rPr lang="en-US" i="1" dirty="0"/>
+              <a:t>Consider three sensors (see image) can work on one of three frequencies. All work fine, but no two agents can work on the same frequency. How to select a valid assignment?</a:t>
+            </a:r>
+          </a:p>
+          <a:p>
+            <a:pPr marL="36900" indent="0">
+              <a:buNone/>
+            </a:pPr>
             <a:endParaRPr lang="en-US" dirty="0"/>
           </a:p>
           <a:p>
@@ -27688,22 +27161,7 @@
               <a:buNone/>
             </a:pPr>
             <a:r>
-              <a:rPr lang="en-US" i="1" dirty="0" smtClean="0"/>
-              <a:t>Consider three sensors (see image) can work on one of three frequencies. All work fine, but no two agents can work on the same frequency. How to select a valid assignment?</a:t>
-            </a:r>
-          </a:p>
-          <a:p>
-            <a:pPr marL="36900" indent="0">
-              <a:buNone/>
-            </a:pPr>
-            <a:endParaRPr lang="en-US" dirty="0"/>
-          </a:p>
-          <a:p>
-            <a:pPr marL="36900" indent="0">
-              <a:buNone/>
-            </a:pPr>
-            <a:r>
-              <a:rPr lang="en-US" dirty="0" smtClean="0"/>
+              <a:rPr lang="en-US" dirty="0"/>
               <a:t>Things to remember:</a:t>
             </a:r>
           </a:p>
@@ -27712,7 +27170,7 @@
               <a:buAutoNum type="arabicPeriod"/>
             </a:pPr>
             <a:r>
-              <a:rPr lang="en-US" dirty="0" smtClean="0"/>
+              <a:rPr lang="en-US" dirty="0"/>
               <a:t>The decision cannot be made centrally</a:t>
             </a:r>
           </a:p>
@@ -27721,7 +27179,7 @@
               <a:buAutoNum type="arabicPeriod"/>
             </a:pPr>
             <a:r>
-              <a:rPr lang="en-US" dirty="0" smtClean="0"/>
+              <a:rPr lang="en-US" dirty="0"/>
               <a:t>Agents can communicate with one another</a:t>
             </a:r>
           </a:p>
@@ -27730,7 +27188,7 @@
               <a:buAutoNum type="arabicPeriod"/>
             </a:pPr>
             <a:r>
-              <a:rPr lang="en-US" dirty="0" smtClean="0"/>
+              <a:rPr lang="en-US" dirty="0"/>
               <a:t>Communication is perfect</a:t>
             </a:r>
           </a:p>
@@ -27739,7 +27197,7 @@
               <a:buAutoNum type="arabicPeriod"/>
             </a:pPr>
             <a:r>
-              <a:rPr lang="en-US" dirty="0" smtClean="0"/>
+              <a:rPr lang="en-US" dirty="0"/>
               <a:t>Messages arrive in order</a:t>
             </a:r>
           </a:p>
@@ -27779,13 +27237,6 @@
   <p:clrMapOvr>
     <a:masterClrMapping/>
   </p:clrMapOvr>
-  <p:timing>
-    <p:tnLst>
-      <p:par>
-        <p:cTn id="1" dur="indefinite" restart="never" nodeType="tmRoot"/>
-      </p:par>
-    </p:tnLst>
-  </p:timing>
 </p:sld>
 </file>
 
